--- a/client/assets/files/flyer_usager.pptx
+++ b/client/assets/files/flyer_usager.pptx
@@ -288,7 +288,7 @@
           <a:p>
             <a:fld id="{7B6374C8-A32D-7145-9A71-5EBECD5610A3}" type="datetimeFigureOut">
               <a:rPr lang="fr-FR" smtClean="0"/>
-              <a:t>09/06/16</a:t>
+              <a:t>07/06/17</a:t>
             </a:fld>
             <a:endParaRPr lang="fr-FR"/>
           </a:p>
@@ -458,7 +458,7 @@
           <a:p>
             <a:fld id="{7B6374C8-A32D-7145-9A71-5EBECD5610A3}" type="datetimeFigureOut">
               <a:rPr lang="fr-FR" smtClean="0"/>
-              <a:t>09/06/16</a:t>
+              <a:t>07/06/17</a:t>
             </a:fld>
             <a:endParaRPr lang="fr-FR"/>
           </a:p>
@@ -638,7 +638,7 @@
           <a:p>
             <a:fld id="{7B6374C8-A32D-7145-9A71-5EBECD5610A3}" type="datetimeFigureOut">
               <a:rPr lang="fr-FR" smtClean="0"/>
-              <a:t>09/06/16</a:t>
+              <a:t>07/06/17</a:t>
             </a:fld>
             <a:endParaRPr lang="fr-FR"/>
           </a:p>
@@ -808,7 +808,7 @@
           <a:p>
             <a:fld id="{7B6374C8-A32D-7145-9A71-5EBECD5610A3}" type="datetimeFigureOut">
               <a:rPr lang="fr-FR" smtClean="0"/>
-              <a:t>09/06/16</a:t>
+              <a:t>07/06/17</a:t>
             </a:fld>
             <a:endParaRPr lang="fr-FR"/>
           </a:p>
@@ -1054,7 +1054,7 @@
           <a:p>
             <a:fld id="{7B6374C8-A32D-7145-9A71-5EBECD5610A3}" type="datetimeFigureOut">
               <a:rPr lang="fr-FR" smtClean="0"/>
-              <a:t>09/06/16</a:t>
+              <a:t>07/06/17</a:t>
             </a:fld>
             <a:endParaRPr lang="fr-FR"/>
           </a:p>
@@ -1342,7 +1342,7 @@
           <a:p>
             <a:fld id="{7B6374C8-A32D-7145-9A71-5EBECD5610A3}" type="datetimeFigureOut">
               <a:rPr lang="fr-FR" smtClean="0"/>
-              <a:t>09/06/16</a:t>
+              <a:t>07/06/17</a:t>
             </a:fld>
             <a:endParaRPr lang="fr-FR"/>
           </a:p>
@@ -1764,7 +1764,7 @@
           <a:p>
             <a:fld id="{7B6374C8-A32D-7145-9A71-5EBECD5610A3}" type="datetimeFigureOut">
               <a:rPr lang="fr-FR" smtClean="0"/>
-              <a:t>09/06/16</a:t>
+              <a:t>07/06/17</a:t>
             </a:fld>
             <a:endParaRPr lang="fr-FR"/>
           </a:p>
@@ -1882,7 +1882,7 @@
           <a:p>
             <a:fld id="{7B6374C8-A32D-7145-9A71-5EBECD5610A3}" type="datetimeFigureOut">
               <a:rPr lang="fr-FR" smtClean="0"/>
-              <a:t>09/06/16</a:t>
+              <a:t>07/06/17</a:t>
             </a:fld>
             <a:endParaRPr lang="fr-FR"/>
           </a:p>
@@ -1977,7 +1977,7 @@
           <a:p>
             <a:fld id="{7B6374C8-A32D-7145-9A71-5EBECD5610A3}" type="datetimeFigureOut">
               <a:rPr lang="fr-FR" smtClean="0"/>
-              <a:t>09/06/16</a:t>
+              <a:t>07/06/17</a:t>
             </a:fld>
             <a:endParaRPr lang="fr-FR"/>
           </a:p>
@@ -2254,7 +2254,7 @@
           <a:p>
             <a:fld id="{7B6374C8-A32D-7145-9A71-5EBECD5610A3}" type="datetimeFigureOut">
               <a:rPr lang="fr-FR" smtClean="0"/>
-              <a:t>09/06/16</a:t>
+              <a:t>07/06/17</a:t>
             </a:fld>
             <a:endParaRPr lang="fr-FR"/>
           </a:p>
@@ -2507,7 +2507,7 @@
           <a:p>
             <a:fld id="{7B6374C8-A32D-7145-9A71-5EBECD5610A3}" type="datetimeFigureOut">
               <a:rPr lang="fr-FR" smtClean="0"/>
-              <a:t>09/06/16</a:t>
+              <a:t>07/06/17</a:t>
             </a:fld>
             <a:endParaRPr lang="fr-FR"/>
           </a:p>
@@ -2720,7 +2720,7 @@
           <a:p>
             <a:fld id="{7B6374C8-A32D-7145-9A71-5EBECD5610A3}" type="datetimeFigureOut">
               <a:rPr lang="fr-FR" smtClean="0"/>
-              <a:t>09/06/16</a:t>
+              <a:t>07/06/17</a:t>
             </a:fld>
             <a:endParaRPr lang="fr-FR"/>
           </a:p>
@@ -3135,13 +3135,13 @@
       </p:sp>
       <p:pic>
         <p:nvPicPr>
-          <p:cNvPr id="5" name="Image 4" descr="flyer-usager.jpg"/>
+          <p:cNvPr id="5" name="Image 4"/>
           <p:cNvPicPr>
             <a:picLocks noChangeAspect="1"/>
           </p:cNvPicPr>
           <p:nvPr/>
         </p:nvPicPr>
-        <p:blipFill>
+        <p:blipFill rotWithShape="1">
           <a:blip r:embed="rId2">
             <a:extLst>
               <a:ext uri="{28A0092B-C50C-407E-A947-70E740481C1C}">
@@ -3149,14 +3149,13 @@
               </a:ext>
             </a:extLst>
           </a:blip>
-          <a:stretch>
-            <a:fillRect/>
-          </a:stretch>
+          <a:srcRect t="4878"/>
+          <a:stretch/>
         </p:blipFill>
         <p:spPr>
           <a:xfrm>
-            <a:off x="222779" y="0"/>
-            <a:ext cx="6464401" cy="9144000"/>
+            <a:off x="222779" y="269412"/>
+            <a:ext cx="6464401" cy="8697961"/>
           </a:xfrm>
           <a:prstGeom prst="rect">
             <a:avLst/>

--- a/client/assets/files/flyer_usager.pptx
+++ b/client/assets/files/flyer_usager.pptx
@@ -1,8 +1,8 @@
 
 <file path=ppt/presentation.xml><?xml version="1.0" encoding="utf-8"?>
-<p:presentation xmlns:a="http://schemas.openxmlformats.org/drawingml/2006/main" xmlns:r="http://schemas.openxmlformats.org/officeDocument/2006/relationships" xmlns:p="http://schemas.openxmlformats.org/presentationml/2006/main" saveSubsetFonts="1" autoCompressPictures="0">
+<p:presentation xmlns:a="http://schemas.openxmlformats.org/drawingml/2006/main" xmlns:r="http://schemas.openxmlformats.org/officeDocument/2006/relationships" xmlns:p="http://schemas.openxmlformats.org/presentationml/2006/main" saveSubsetFonts="1">
   <p:sldMasterIdLst>
-    <p:sldMasterId id="2147483648" r:id="rId1"/>
+    <p:sldMasterId id="2147483672" r:id="rId1"/>
   </p:sldMasterIdLst>
   <p:sldIdLst>
     <p:sldId id="256" r:id="rId2"/>
@@ -11,7 +11,7 @@
   <p:notesSz cx="6858000" cy="9144000"/>
   <p:defaultTextStyle>
     <a:defPPr>
-      <a:defRPr lang="fr-FR"/>
+      <a:defRPr lang="en-US"/>
     </a:defPPr>
     <a:lvl1pPr marL="0" algn="l" defTabSz="457200" rtl="0" eaLnBrk="1" latinLnBrk="0" hangingPunct="1">
       <a:defRPr sz="1800" kern="1200">
@@ -104,7 +104,16 @@
       </a:defRPr>
     </a:lvl9pPr>
   </p:defaultTextStyle>
+  <p:extLst>
+    <p:ext uri="{EFAFB233-063F-42B5-8137-9DF3F51BA10A}">
+      <p15:sldGuideLst xmlns:p15="http://schemas.microsoft.com/office/powerpoint/2012/main"/>
+    </p:ext>
+  </p:extLst>
 </p:presentation>
+</file>
+
+<file path=ppt/revisionInfo.xml><?xml version="1.0" encoding="utf-8"?>
+<p1510:revInfo xmlns:a="http://schemas.openxmlformats.org/drawingml/2006/main" xmlns:r="http://schemas.openxmlformats.org/officeDocument/2006/relationships" xmlns:p1510="http://schemas.microsoft.com/office/powerpoint/2015/10/main"/>
 </file>
 
 <file path=ppt/slideLayouts/slideLayout1.xml><?xml version="1.0" encoding="utf-8"?>
@@ -126,7 +135,7 @@
       </p:grpSpPr>
       <p:sp>
         <p:nvSpPr>
-          <p:cNvPr id="2" name="Titre 1"/>
+          <p:cNvPr id="2" name="Title 1"/>
           <p:cNvSpPr>
             <a:spLocks noGrp="1"/>
           </p:cNvSpPr>
@@ -136,25 +145,29 @@
         </p:nvSpPr>
         <p:spPr>
           <a:xfrm>
-            <a:off x="514350" y="2840568"/>
-            <a:ext cx="5829300" cy="1960033"/>
+            <a:off x="514350" y="1496484"/>
+            <a:ext cx="5829300" cy="3183467"/>
           </a:xfrm>
         </p:spPr>
         <p:txBody>
-          <a:bodyPr/>
-          <a:lstStyle/>
-          <a:p>
-            <a:r>
-              <a:rPr lang="en-US" smtClean="0"/>
-              <a:t>Cliquez et modifiez le titre</a:t>
-            </a:r>
-            <a:endParaRPr lang="fr-FR"/>
-          </a:p>
-        </p:txBody>
-      </p:sp>
-      <p:sp>
-        <p:nvSpPr>
-          <p:cNvPr id="3" name="Sous-titre 2"/>
+          <a:bodyPr anchor="b"/>
+          <a:lstStyle>
+            <a:lvl1pPr algn="ctr">
+              <a:defRPr sz="4500"/>
+            </a:lvl1pPr>
+          </a:lstStyle>
+          <a:p>
+            <a:r>
+              <a:rPr lang="fr-FR"/>
+              <a:t>Modifiez le style du titre</a:t>
+            </a:r>
+            <a:endParaRPr lang="en-US" dirty="0"/>
+          </a:p>
+        </p:txBody>
+      </p:sp>
+      <p:sp>
+        <p:nvSpPr>
+          <p:cNvPr id="3" name="Subtitle 2"/>
           <p:cNvSpPr>
             <a:spLocks noGrp="1"/>
           </p:cNvSpPr>
@@ -164,8 +177,8 @@
         </p:nvSpPr>
         <p:spPr>
           <a:xfrm>
-            <a:off x="1028700" y="5181600"/>
-            <a:ext cx="4800600" cy="2336800"/>
+            <a:off x="857250" y="4802717"/>
+            <a:ext cx="5143500" cy="2207683"/>
           </a:xfrm>
         </p:spPr>
         <p:txBody>
@@ -173,107 +186,53 @@
           <a:lstStyle>
             <a:lvl1pPr marL="0" indent="0" algn="ctr">
               <a:buNone/>
-              <a:defRPr>
-                <a:solidFill>
-                  <a:schemeClr val="tx1">
-                    <a:tint val="75000"/>
-                  </a:schemeClr>
-                </a:solidFill>
-              </a:defRPr>
+              <a:defRPr sz="1800"/>
             </a:lvl1pPr>
-            <a:lvl2pPr marL="457200" indent="0" algn="ctr">
-              <a:buNone/>
-              <a:defRPr>
-                <a:solidFill>
-                  <a:schemeClr val="tx1">
-                    <a:tint val="75000"/>
-                  </a:schemeClr>
-                </a:solidFill>
-              </a:defRPr>
+            <a:lvl2pPr marL="342900" indent="0" algn="ctr">
+              <a:buNone/>
+              <a:defRPr sz="1500"/>
             </a:lvl2pPr>
-            <a:lvl3pPr marL="914400" indent="0" algn="ctr">
-              <a:buNone/>
-              <a:defRPr>
-                <a:solidFill>
-                  <a:schemeClr val="tx1">
-                    <a:tint val="75000"/>
-                  </a:schemeClr>
-                </a:solidFill>
-              </a:defRPr>
+            <a:lvl3pPr marL="685800" indent="0" algn="ctr">
+              <a:buNone/>
+              <a:defRPr sz="1350"/>
             </a:lvl3pPr>
-            <a:lvl4pPr marL="1371600" indent="0" algn="ctr">
-              <a:buNone/>
-              <a:defRPr>
-                <a:solidFill>
-                  <a:schemeClr val="tx1">
-                    <a:tint val="75000"/>
-                  </a:schemeClr>
-                </a:solidFill>
-              </a:defRPr>
+            <a:lvl4pPr marL="1028700" indent="0" algn="ctr">
+              <a:buNone/>
+              <a:defRPr sz="1200"/>
             </a:lvl4pPr>
-            <a:lvl5pPr marL="1828800" indent="0" algn="ctr">
-              <a:buNone/>
-              <a:defRPr>
-                <a:solidFill>
-                  <a:schemeClr val="tx1">
-                    <a:tint val="75000"/>
-                  </a:schemeClr>
-                </a:solidFill>
-              </a:defRPr>
+            <a:lvl5pPr marL="1371600" indent="0" algn="ctr">
+              <a:buNone/>
+              <a:defRPr sz="1200"/>
             </a:lvl5pPr>
-            <a:lvl6pPr marL="2286000" indent="0" algn="ctr">
-              <a:buNone/>
-              <a:defRPr>
-                <a:solidFill>
-                  <a:schemeClr val="tx1">
-                    <a:tint val="75000"/>
-                  </a:schemeClr>
-                </a:solidFill>
-              </a:defRPr>
+            <a:lvl6pPr marL="1714500" indent="0" algn="ctr">
+              <a:buNone/>
+              <a:defRPr sz="1200"/>
             </a:lvl6pPr>
-            <a:lvl7pPr marL="2743200" indent="0" algn="ctr">
-              <a:buNone/>
-              <a:defRPr>
-                <a:solidFill>
-                  <a:schemeClr val="tx1">
-                    <a:tint val="75000"/>
-                  </a:schemeClr>
-                </a:solidFill>
-              </a:defRPr>
+            <a:lvl7pPr marL="2057400" indent="0" algn="ctr">
+              <a:buNone/>
+              <a:defRPr sz="1200"/>
             </a:lvl7pPr>
-            <a:lvl8pPr marL="3200400" indent="0" algn="ctr">
-              <a:buNone/>
-              <a:defRPr>
-                <a:solidFill>
-                  <a:schemeClr val="tx1">
-                    <a:tint val="75000"/>
-                  </a:schemeClr>
-                </a:solidFill>
-              </a:defRPr>
+            <a:lvl8pPr marL="2400300" indent="0" algn="ctr">
+              <a:buNone/>
+              <a:defRPr sz="1200"/>
             </a:lvl8pPr>
-            <a:lvl9pPr marL="3657600" indent="0" algn="ctr">
-              <a:buNone/>
-              <a:defRPr>
-                <a:solidFill>
-                  <a:schemeClr val="tx1">
-                    <a:tint val="75000"/>
-                  </a:schemeClr>
-                </a:solidFill>
-              </a:defRPr>
+            <a:lvl9pPr marL="2743200" indent="0" algn="ctr">
+              <a:buNone/>
+              <a:defRPr sz="1200"/>
             </a:lvl9pPr>
           </a:lstStyle>
           <a:p>
             <a:r>
-              <a:rPr lang="en-US" smtClean="0"/>
-              <a:t>Cliquez pour modifier le style des sous-titres du masque</a:t>
-            </a:r>
-            <a:endParaRPr lang="fr-FR"/>
-          </a:p>
-        </p:txBody>
-      </p:sp>
-      <p:sp>
-        <p:nvSpPr>
-          <p:cNvPr id="4" name="Espace réservé de la date 3"/>
+              <a:rPr lang="fr-FR"/>
+              <a:t>Modifier le style des sous-titres du masque</a:t>
+            </a:r>
+            <a:endParaRPr lang="en-US" dirty="0"/>
+          </a:p>
+        </p:txBody>
+      </p:sp>
+      <p:sp>
+        <p:nvSpPr>
+          <p:cNvPr id="4" name="Date Placeholder 3"/>
           <p:cNvSpPr>
             <a:spLocks noGrp="1"/>
           </p:cNvSpPr>
@@ -286,9 +245,9 @@
           <a:bodyPr/>
           <a:lstStyle/>
           <a:p>
-            <a:fld id="{7B6374C8-A32D-7145-9A71-5EBECD5610A3}" type="datetimeFigureOut">
+            <a:fld id="{482751F5-853A-457A-974E-82321C94E83E}" type="datetimeFigureOut">
               <a:rPr lang="fr-FR" smtClean="0"/>
-              <a:t>07/06/17</a:t>
+              <a:t>14/06/2017</a:t>
             </a:fld>
             <a:endParaRPr lang="fr-FR"/>
           </a:p>
@@ -296,7 +255,7 @@
       </p:sp>
       <p:sp>
         <p:nvSpPr>
-          <p:cNvPr id="5" name="Espace réservé du pied de page 4"/>
+          <p:cNvPr id="5" name="Footer Placeholder 4"/>
           <p:cNvSpPr>
             <a:spLocks noGrp="1"/>
           </p:cNvSpPr>
@@ -315,7 +274,7 @@
       </p:sp>
       <p:sp>
         <p:nvSpPr>
-          <p:cNvPr id="6" name="Espace réservé du numéro de diapositive 5"/>
+          <p:cNvPr id="6" name="Slide Number Placeholder 5"/>
           <p:cNvSpPr>
             <a:spLocks noGrp="1"/>
           </p:cNvSpPr>
@@ -328,9 +287,9 @@
           <a:bodyPr/>
           <a:lstStyle/>
           <a:p>
-            <a:fld id="{63B28E75-C649-9148-9C16-E9651CFF6EE8}" type="slidenum">
+            <a:fld id="{973BC97E-4424-4B86-952C-0BDCDFDAF2D3}" type="slidenum">
               <a:rPr lang="fr-FR" smtClean="0"/>
-              <a:t>‹#›</a:t>
+              <a:t>‹N°›</a:t>
             </a:fld>
             <a:endParaRPr lang="fr-FR"/>
           </a:p>
@@ -339,7 +298,7 @@
     </p:spTree>
     <p:extLst>
       <p:ext uri="{BB962C8B-B14F-4D97-AF65-F5344CB8AC3E}">
-        <p14:creationId xmlns:p14="http://schemas.microsoft.com/office/powerpoint/2010/main" val="188738351"/>
+        <p14:creationId xmlns:p14="http://schemas.microsoft.com/office/powerpoint/2010/main" val="638606782"/>
       </p:ext>
     </p:extLst>
   </p:cSld>
@@ -368,7 +327,7 @@
       </p:grpSpPr>
       <p:sp>
         <p:nvSpPr>
-          <p:cNvPr id="2" name="Titre 1"/>
+          <p:cNvPr id="2" name="Title 1"/>
           <p:cNvSpPr>
             <a:spLocks noGrp="1"/>
           </p:cNvSpPr>
@@ -382,16 +341,16 @@
           <a:lstStyle/>
           <a:p>
             <a:r>
-              <a:rPr lang="en-US" smtClean="0"/>
-              <a:t>Cliquez et modifiez le titre</a:t>
-            </a:r>
-            <a:endParaRPr lang="fr-FR"/>
-          </a:p>
-        </p:txBody>
-      </p:sp>
-      <p:sp>
-        <p:nvSpPr>
-          <p:cNvPr id="3" name="Espace réservé du texte vertical 2"/>
+              <a:rPr lang="fr-FR"/>
+              <a:t>Modifiez le style du titre</a:t>
+            </a:r>
+            <a:endParaRPr lang="en-US" dirty="0"/>
+          </a:p>
+        </p:txBody>
+      </p:sp>
+      <p:sp>
+        <p:nvSpPr>
+          <p:cNvPr id="3" name="Vertical Text Placeholder 2"/>
           <p:cNvSpPr>
             <a:spLocks noGrp="1"/>
           </p:cNvSpPr>
@@ -406,44 +365,44 @@
           <a:p>
             <a:pPr lvl="0"/>
             <a:r>
-              <a:rPr lang="en-US" smtClean="0"/>
-              <a:t>Cliquez pour modifier les styles du texte du masque</a:t>
+              <a:rPr lang="fr-FR"/>
+              <a:t>Modifier les styles du texte du masque</a:t>
             </a:r>
           </a:p>
           <a:p>
             <a:pPr lvl="1"/>
             <a:r>
-              <a:rPr lang="en-US" smtClean="0"/>
+              <a:rPr lang="fr-FR"/>
               <a:t>Deuxième niveau</a:t>
             </a:r>
           </a:p>
           <a:p>
             <a:pPr lvl="2"/>
             <a:r>
-              <a:rPr lang="en-US" smtClean="0"/>
+              <a:rPr lang="fr-FR"/>
               <a:t>Troisième niveau</a:t>
             </a:r>
           </a:p>
           <a:p>
             <a:pPr lvl="3"/>
             <a:r>
-              <a:rPr lang="en-US" smtClean="0"/>
+              <a:rPr lang="fr-FR"/>
               <a:t>Quatrième niveau</a:t>
             </a:r>
           </a:p>
           <a:p>
             <a:pPr lvl="4"/>
             <a:r>
-              <a:rPr lang="en-US" smtClean="0"/>
+              <a:rPr lang="fr-FR"/>
               <a:t>Cinquième niveau</a:t>
             </a:r>
-            <a:endParaRPr lang="fr-FR"/>
-          </a:p>
-        </p:txBody>
-      </p:sp>
-      <p:sp>
-        <p:nvSpPr>
-          <p:cNvPr id="4" name="Espace réservé de la date 3"/>
+            <a:endParaRPr lang="en-US" dirty="0"/>
+          </a:p>
+        </p:txBody>
+      </p:sp>
+      <p:sp>
+        <p:nvSpPr>
+          <p:cNvPr id="4" name="Date Placeholder 3"/>
           <p:cNvSpPr>
             <a:spLocks noGrp="1"/>
           </p:cNvSpPr>
@@ -456,9 +415,9 @@
           <a:bodyPr/>
           <a:lstStyle/>
           <a:p>
-            <a:fld id="{7B6374C8-A32D-7145-9A71-5EBECD5610A3}" type="datetimeFigureOut">
+            <a:fld id="{482751F5-853A-457A-974E-82321C94E83E}" type="datetimeFigureOut">
               <a:rPr lang="fr-FR" smtClean="0"/>
-              <a:t>07/06/17</a:t>
+              <a:t>14/06/2017</a:t>
             </a:fld>
             <a:endParaRPr lang="fr-FR"/>
           </a:p>
@@ -466,7 +425,7 @@
       </p:sp>
       <p:sp>
         <p:nvSpPr>
-          <p:cNvPr id="5" name="Espace réservé du pied de page 4"/>
+          <p:cNvPr id="5" name="Footer Placeholder 4"/>
           <p:cNvSpPr>
             <a:spLocks noGrp="1"/>
           </p:cNvSpPr>
@@ -485,7 +444,7 @@
       </p:sp>
       <p:sp>
         <p:nvSpPr>
-          <p:cNvPr id="6" name="Espace réservé du numéro de diapositive 5"/>
+          <p:cNvPr id="6" name="Slide Number Placeholder 5"/>
           <p:cNvSpPr>
             <a:spLocks noGrp="1"/>
           </p:cNvSpPr>
@@ -498,9 +457,9 @@
           <a:bodyPr/>
           <a:lstStyle/>
           <a:p>
-            <a:fld id="{63B28E75-C649-9148-9C16-E9651CFF6EE8}" type="slidenum">
+            <a:fld id="{973BC97E-4424-4B86-952C-0BDCDFDAF2D3}" type="slidenum">
               <a:rPr lang="fr-FR" smtClean="0"/>
-              <a:t>‹#›</a:t>
+              <a:t>‹N°›</a:t>
             </a:fld>
             <a:endParaRPr lang="fr-FR"/>
           </a:p>
@@ -509,7 +468,7 @@
     </p:spTree>
     <p:extLst>
       <p:ext uri="{BB962C8B-B14F-4D97-AF65-F5344CB8AC3E}">
-        <p14:creationId xmlns:p14="http://schemas.microsoft.com/office/powerpoint/2010/main" val="1864884262"/>
+        <p14:creationId xmlns:p14="http://schemas.microsoft.com/office/powerpoint/2010/main" val="1300198797"/>
       </p:ext>
     </p:extLst>
   </p:cSld>
@@ -538,7 +497,7 @@
       </p:grpSpPr>
       <p:sp>
         <p:nvSpPr>
-          <p:cNvPr id="2" name="Titre vertical 1"/>
+          <p:cNvPr id="2" name="Vertical Title 1"/>
           <p:cNvSpPr>
             <a:spLocks noGrp="1"/>
           </p:cNvSpPr>
@@ -548,8 +507,8 @@
         </p:nvSpPr>
         <p:spPr>
           <a:xfrm>
-            <a:off x="4972050" y="366185"/>
-            <a:ext cx="1543050" cy="7802033"/>
+            <a:off x="4907757" y="486834"/>
+            <a:ext cx="1478756" cy="7749117"/>
           </a:xfrm>
         </p:spPr>
         <p:txBody>
@@ -557,16 +516,16 @@
           <a:lstStyle/>
           <a:p>
             <a:r>
-              <a:rPr lang="en-US" smtClean="0"/>
-              <a:t>Cliquez et modifiez le titre</a:t>
-            </a:r>
-            <a:endParaRPr lang="fr-FR"/>
-          </a:p>
-        </p:txBody>
-      </p:sp>
-      <p:sp>
-        <p:nvSpPr>
-          <p:cNvPr id="3" name="Espace réservé du texte vertical 2"/>
+              <a:rPr lang="fr-FR"/>
+              <a:t>Modifiez le style du titre</a:t>
+            </a:r>
+            <a:endParaRPr lang="en-US" dirty="0"/>
+          </a:p>
+        </p:txBody>
+      </p:sp>
+      <p:sp>
+        <p:nvSpPr>
+          <p:cNvPr id="3" name="Vertical Text Placeholder 2"/>
           <p:cNvSpPr>
             <a:spLocks noGrp="1"/>
           </p:cNvSpPr>
@@ -576,8 +535,8 @@
         </p:nvSpPr>
         <p:spPr>
           <a:xfrm>
-            <a:off x="342900" y="366185"/>
-            <a:ext cx="4514850" cy="7802033"/>
+            <a:off x="471488" y="486834"/>
+            <a:ext cx="4350544" cy="7749117"/>
           </a:xfrm>
         </p:spPr>
         <p:txBody>
@@ -586,44 +545,44 @@
           <a:p>
             <a:pPr lvl="0"/>
             <a:r>
-              <a:rPr lang="en-US" smtClean="0"/>
-              <a:t>Cliquez pour modifier les styles du texte du masque</a:t>
+              <a:rPr lang="fr-FR"/>
+              <a:t>Modifier les styles du texte du masque</a:t>
             </a:r>
           </a:p>
           <a:p>
             <a:pPr lvl="1"/>
             <a:r>
-              <a:rPr lang="en-US" smtClean="0"/>
+              <a:rPr lang="fr-FR"/>
               <a:t>Deuxième niveau</a:t>
             </a:r>
           </a:p>
           <a:p>
             <a:pPr lvl="2"/>
             <a:r>
-              <a:rPr lang="en-US" smtClean="0"/>
+              <a:rPr lang="fr-FR"/>
               <a:t>Troisième niveau</a:t>
             </a:r>
           </a:p>
           <a:p>
             <a:pPr lvl="3"/>
             <a:r>
-              <a:rPr lang="en-US" smtClean="0"/>
+              <a:rPr lang="fr-FR"/>
               <a:t>Quatrième niveau</a:t>
             </a:r>
           </a:p>
           <a:p>
             <a:pPr lvl="4"/>
             <a:r>
-              <a:rPr lang="en-US" smtClean="0"/>
+              <a:rPr lang="fr-FR"/>
               <a:t>Cinquième niveau</a:t>
             </a:r>
-            <a:endParaRPr lang="fr-FR"/>
-          </a:p>
-        </p:txBody>
-      </p:sp>
-      <p:sp>
-        <p:nvSpPr>
-          <p:cNvPr id="4" name="Espace réservé de la date 3"/>
+            <a:endParaRPr lang="en-US" dirty="0"/>
+          </a:p>
+        </p:txBody>
+      </p:sp>
+      <p:sp>
+        <p:nvSpPr>
+          <p:cNvPr id="4" name="Date Placeholder 3"/>
           <p:cNvSpPr>
             <a:spLocks noGrp="1"/>
           </p:cNvSpPr>
@@ -636,9 +595,9 @@
           <a:bodyPr/>
           <a:lstStyle/>
           <a:p>
-            <a:fld id="{7B6374C8-A32D-7145-9A71-5EBECD5610A3}" type="datetimeFigureOut">
+            <a:fld id="{482751F5-853A-457A-974E-82321C94E83E}" type="datetimeFigureOut">
               <a:rPr lang="fr-FR" smtClean="0"/>
-              <a:t>07/06/17</a:t>
+              <a:t>14/06/2017</a:t>
             </a:fld>
             <a:endParaRPr lang="fr-FR"/>
           </a:p>
@@ -646,7 +605,7 @@
       </p:sp>
       <p:sp>
         <p:nvSpPr>
-          <p:cNvPr id="5" name="Espace réservé du pied de page 4"/>
+          <p:cNvPr id="5" name="Footer Placeholder 4"/>
           <p:cNvSpPr>
             <a:spLocks noGrp="1"/>
           </p:cNvSpPr>
@@ -665,7 +624,7 @@
       </p:sp>
       <p:sp>
         <p:nvSpPr>
-          <p:cNvPr id="6" name="Espace réservé du numéro de diapositive 5"/>
+          <p:cNvPr id="6" name="Slide Number Placeholder 5"/>
           <p:cNvSpPr>
             <a:spLocks noGrp="1"/>
           </p:cNvSpPr>
@@ -678,9 +637,9 @@
           <a:bodyPr/>
           <a:lstStyle/>
           <a:p>
-            <a:fld id="{63B28E75-C649-9148-9C16-E9651CFF6EE8}" type="slidenum">
+            <a:fld id="{973BC97E-4424-4B86-952C-0BDCDFDAF2D3}" type="slidenum">
               <a:rPr lang="fr-FR" smtClean="0"/>
-              <a:t>‹#›</a:t>
+              <a:t>‹N°›</a:t>
             </a:fld>
             <a:endParaRPr lang="fr-FR"/>
           </a:p>
@@ -689,7 +648,7 @@
     </p:spTree>
     <p:extLst>
       <p:ext uri="{BB962C8B-B14F-4D97-AF65-F5344CB8AC3E}">
-        <p14:creationId xmlns:p14="http://schemas.microsoft.com/office/powerpoint/2010/main" val="4232230728"/>
+        <p14:creationId xmlns:p14="http://schemas.microsoft.com/office/powerpoint/2010/main" val="2515275535"/>
       </p:ext>
     </p:extLst>
   </p:cSld>
@@ -718,7 +677,7 @@
       </p:grpSpPr>
       <p:sp>
         <p:nvSpPr>
-          <p:cNvPr id="2" name="Titre 1"/>
+          <p:cNvPr id="2" name="Title 1"/>
           <p:cNvSpPr>
             <a:spLocks noGrp="1"/>
           </p:cNvSpPr>
@@ -732,16 +691,16 @@
           <a:lstStyle/>
           <a:p>
             <a:r>
-              <a:rPr lang="en-US" smtClean="0"/>
-              <a:t>Cliquez et modifiez le titre</a:t>
-            </a:r>
-            <a:endParaRPr lang="fr-FR"/>
-          </a:p>
-        </p:txBody>
-      </p:sp>
-      <p:sp>
-        <p:nvSpPr>
-          <p:cNvPr id="3" name="Espace réservé du contenu 2"/>
+              <a:rPr lang="fr-FR"/>
+              <a:t>Modifiez le style du titre</a:t>
+            </a:r>
+            <a:endParaRPr lang="en-US" dirty="0"/>
+          </a:p>
+        </p:txBody>
+      </p:sp>
+      <p:sp>
+        <p:nvSpPr>
+          <p:cNvPr id="3" name="Content Placeholder 2"/>
           <p:cNvSpPr>
             <a:spLocks noGrp="1"/>
           </p:cNvSpPr>
@@ -756,44 +715,44 @@
           <a:p>
             <a:pPr lvl="0"/>
             <a:r>
-              <a:rPr lang="en-US" smtClean="0"/>
-              <a:t>Cliquez pour modifier les styles du texte du masque</a:t>
+              <a:rPr lang="fr-FR"/>
+              <a:t>Modifier les styles du texte du masque</a:t>
             </a:r>
           </a:p>
           <a:p>
             <a:pPr lvl="1"/>
             <a:r>
-              <a:rPr lang="en-US" smtClean="0"/>
+              <a:rPr lang="fr-FR"/>
               <a:t>Deuxième niveau</a:t>
             </a:r>
           </a:p>
           <a:p>
             <a:pPr lvl="2"/>
             <a:r>
-              <a:rPr lang="en-US" smtClean="0"/>
+              <a:rPr lang="fr-FR"/>
               <a:t>Troisième niveau</a:t>
             </a:r>
           </a:p>
           <a:p>
             <a:pPr lvl="3"/>
             <a:r>
-              <a:rPr lang="en-US" smtClean="0"/>
+              <a:rPr lang="fr-FR"/>
               <a:t>Quatrième niveau</a:t>
             </a:r>
           </a:p>
           <a:p>
             <a:pPr lvl="4"/>
             <a:r>
-              <a:rPr lang="en-US" smtClean="0"/>
+              <a:rPr lang="fr-FR"/>
               <a:t>Cinquième niveau</a:t>
             </a:r>
-            <a:endParaRPr lang="fr-FR"/>
-          </a:p>
-        </p:txBody>
-      </p:sp>
-      <p:sp>
-        <p:nvSpPr>
-          <p:cNvPr id="4" name="Espace réservé de la date 3"/>
+            <a:endParaRPr lang="en-US" dirty="0"/>
+          </a:p>
+        </p:txBody>
+      </p:sp>
+      <p:sp>
+        <p:nvSpPr>
+          <p:cNvPr id="4" name="Date Placeholder 3"/>
           <p:cNvSpPr>
             <a:spLocks noGrp="1"/>
           </p:cNvSpPr>
@@ -806,9 +765,9 @@
           <a:bodyPr/>
           <a:lstStyle/>
           <a:p>
-            <a:fld id="{7B6374C8-A32D-7145-9A71-5EBECD5610A3}" type="datetimeFigureOut">
+            <a:fld id="{482751F5-853A-457A-974E-82321C94E83E}" type="datetimeFigureOut">
               <a:rPr lang="fr-FR" smtClean="0"/>
-              <a:t>07/06/17</a:t>
+              <a:t>14/06/2017</a:t>
             </a:fld>
             <a:endParaRPr lang="fr-FR"/>
           </a:p>
@@ -816,7 +775,7 @@
       </p:sp>
       <p:sp>
         <p:nvSpPr>
-          <p:cNvPr id="5" name="Espace réservé du pied de page 4"/>
+          <p:cNvPr id="5" name="Footer Placeholder 4"/>
           <p:cNvSpPr>
             <a:spLocks noGrp="1"/>
           </p:cNvSpPr>
@@ -835,7 +794,7 @@
       </p:sp>
       <p:sp>
         <p:nvSpPr>
-          <p:cNvPr id="6" name="Espace réservé du numéro de diapositive 5"/>
+          <p:cNvPr id="6" name="Slide Number Placeholder 5"/>
           <p:cNvSpPr>
             <a:spLocks noGrp="1"/>
           </p:cNvSpPr>
@@ -848,9 +807,9 @@
           <a:bodyPr/>
           <a:lstStyle/>
           <a:p>
-            <a:fld id="{63B28E75-C649-9148-9C16-E9651CFF6EE8}" type="slidenum">
+            <a:fld id="{973BC97E-4424-4B86-952C-0BDCDFDAF2D3}" type="slidenum">
               <a:rPr lang="fr-FR" smtClean="0"/>
-              <a:t>‹#›</a:t>
+              <a:t>‹N°›</a:t>
             </a:fld>
             <a:endParaRPr lang="fr-FR"/>
           </a:p>
@@ -859,7 +818,7 @@
     </p:spTree>
     <p:extLst>
       <p:ext uri="{BB962C8B-B14F-4D97-AF65-F5344CB8AC3E}">
-        <p14:creationId xmlns:p14="http://schemas.microsoft.com/office/powerpoint/2010/main" val="323531563"/>
+        <p14:creationId xmlns:p14="http://schemas.microsoft.com/office/powerpoint/2010/main" val="2736966573"/>
       </p:ext>
     </p:extLst>
   </p:cSld>
@@ -871,7 +830,7 @@
 
 <file path=ppt/slideLayouts/slideLayout3.xml><?xml version="1.0" encoding="utf-8"?>
 <p:sldLayout xmlns:a="http://schemas.openxmlformats.org/drawingml/2006/main" xmlns:r="http://schemas.openxmlformats.org/officeDocument/2006/relationships" xmlns:p="http://schemas.openxmlformats.org/presentationml/2006/main" type="secHead" preserve="1">
-  <p:cSld name="En-tête de section">
+  <p:cSld name="Titre de section">
     <p:spTree>
       <p:nvGrpSpPr>
         <p:cNvPr id="1" name=""/>
@@ -888,7 +847,7 @@
       </p:grpSpPr>
       <p:sp>
         <p:nvSpPr>
-          <p:cNvPr id="2" name="Titre 1"/>
+          <p:cNvPr id="2" name="Title 1"/>
           <p:cNvSpPr>
             <a:spLocks noGrp="1"/>
           </p:cNvSpPr>
@@ -898,29 +857,29 @@
         </p:nvSpPr>
         <p:spPr>
           <a:xfrm>
-            <a:off x="541735" y="5875867"/>
-            <a:ext cx="5829300" cy="1816100"/>
+            <a:off x="467916" y="2279653"/>
+            <a:ext cx="5915025" cy="3803649"/>
           </a:xfrm>
         </p:spPr>
         <p:txBody>
-          <a:bodyPr anchor="t"/>
+          <a:bodyPr anchor="b"/>
           <a:lstStyle>
-            <a:lvl1pPr algn="l">
-              <a:defRPr sz="4000" b="1" cap="all"/>
+            <a:lvl1pPr>
+              <a:defRPr sz="4500"/>
             </a:lvl1pPr>
           </a:lstStyle>
           <a:p>
             <a:r>
-              <a:rPr lang="en-US" smtClean="0"/>
-              <a:t>Cliquez et modifiez le titre</a:t>
-            </a:r>
-            <a:endParaRPr lang="fr-FR"/>
-          </a:p>
-        </p:txBody>
-      </p:sp>
-      <p:sp>
-        <p:nvSpPr>
-          <p:cNvPr id="3" name="Espace réservé du texte 2"/>
+              <a:rPr lang="fr-FR"/>
+              <a:t>Modifiez le style du titre</a:t>
+            </a:r>
+            <a:endParaRPr lang="en-US" dirty="0"/>
+          </a:p>
+        </p:txBody>
+      </p:sp>
+      <p:sp>
+        <p:nvSpPr>
+          <p:cNvPr id="3" name="Text Placeholder 2"/>
           <p:cNvSpPr>
             <a:spLocks noGrp="1"/>
           </p:cNvSpPr>
@@ -930,26 +889,24 @@
         </p:nvSpPr>
         <p:spPr>
           <a:xfrm>
-            <a:off x="541735" y="3875618"/>
-            <a:ext cx="5829300" cy="2000249"/>
+            <a:off x="467916" y="6119286"/>
+            <a:ext cx="5915025" cy="2000249"/>
           </a:xfrm>
         </p:spPr>
         <p:txBody>
-          <a:bodyPr anchor="b"/>
+          <a:bodyPr/>
           <a:lstStyle>
             <a:lvl1pPr marL="0" indent="0">
               <a:buNone/>
-              <a:defRPr sz="2000">
+              <a:defRPr sz="1800">
                 <a:solidFill>
-                  <a:schemeClr val="tx1">
-                    <a:tint val="75000"/>
-                  </a:schemeClr>
+                  <a:schemeClr val="tx1"/>
                 </a:solidFill>
               </a:defRPr>
             </a:lvl1pPr>
-            <a:lvl2pPr marL="457200" indent="0">
-              <a:buNone/>
-              <a:defRPr sz="1800">
+            <a:lvl2pPr marL="342900" indent="0">
+              <a:buNone/>
+              <a:defRPr sz="1500">
                 <a:solidFill>
                   <a:schemeClr val="tx1">
                     <a:tint val="75000"/>
@@ -957,9 +914,9 @@
                 </a:solidFill>
               </a:defRPr>
             </a:lvl2pPr>
-            <a:lvl3pPr marL="914400" indent="0">
-              <a:buNone/>
-              <a:defRPr sz="1600">
+            <a:lvl3pPr marL="685800" indent="0">
+              <a:buNone/>
+              <a:defRPr sz="1350">
                 <a:solidFill>
                   <a:schemeClr val="tx1">
                     <a:tint val="75000"/>
@@ -967,9 +924,9 @@
                 </a:solidFill>
               </a:defRPr>
             </a:lvl3pPr>
-            <a:lvl4pPr marL="1371600" indent="0">
-              <a:buNone/>
-              <a:defRPr sz="1400">
+            <a:lvl4pPr marL="1028700" indent="0">
+              <a:buNone/>
+              <a:defRPr sz="1200">
                 <a:solidFill>
                   <a:schemeClr val="tx1">
                     <a:tint val="75000"/>
@@ -977,9 +934,9 @@
                 </a:solidFill>
               </a:defRPr>
             </a:lvl4pPr>
-            <a:lvl5pPr marL="1828800" indent="0">
-              <a:buNone/>
-              <a:defRPr sz="1400">
+            <a:lvl5pPr marL="1371600" indent="0">
+              <a:buNone/>
+              <a:defRPr sz="1200">
                 <a:solidFill>
                   <a:schemeClr val="tx1">
                     <a:tint val="75000"/>
@@ -987,9 +944,9 @@
                 </a:solidFill>
               </a:defRPr>
             </a:lvl5pPr>
-            <a:lvl6pPr marL="2286000" indent="0">
-              <a:buNone/>
-              <a:defRPr sz="1400">
+            <a:lvl6pPr marL="1714500" indent="0">
+              <a:buNone/>
+              <a:defRPr sz="1200">
                 <a:solidFill>
                   <a:schemeClr val="tx1">
                     <a:tint val="75000"/>
@@ -997,9 +954,9 @@
                 </a:solidFill>
               </a:defRPr>
             </a:lvl6pPr>
-            <a:lvl7pPr marL="2743200" indent="0">
-              <a:buNone/>
-              <a:defRPr sz="1400">
+            <a:lvl7pPr marL="2057400" indent="0">
+              <a:buNone/>
+              <a:defRPr sz="1200">
                 <a:solidFill>
                   <a:schemeClr val="tx1">
                     <a:tint val="75000"/>
@@ -1007,9 +964,9 @@
                 </a:solidFill>
               </a:defRPr>
             </a:lvl7pPr>
-            <a:lvl8pPr marL="3200400" indent="0">
-              <a:buNone/>
-              <a:defRPr sz="1400">
+            <a:lvl8pPr marL="2400300" indent="0">
+              <a:buNone/>
+              <a:defRPr sz="1200">
                 <a:solidFill>
                   <a:schemeClr val="tx1">
                     <a:tint val="75000"/>
@@ -1017,9 +974,9 @@
                 </a:solidFill>
               </a:defRPr>
             </a:lvl8pPr>
-            <a:lvl9pPr marL="3657600" indent="0">
-              <a:buNone/>
-              <a:defRPr sz="1400">
+            <a:lvl9pPr marL="2743200" indent="0">
+              <a:buNone/>
+              <a:defRPr sz="1200">
                 <a:solidFill>
                   <a:schemeClr val="tx1">
                     <a:tint val="75000"/>
@@ -1031,15 +988,15 @@
           <a:p>
             <a:pPr lvl="0"/>
             <a:r>
-              <a:rPr lang="en-US" smtClean="0"/>
-              <a:t>Cliquez pour modifier les styles du texte du masque</a:t>
-            </a:r>
-          </a:p>
-        </p:txBody>
-      </p:sp>
-      <p:sp>
-        <p:nvSpPr>
-          <p:cNvPr id="4" name="Espace réservé de la date 3"/>
+              <a:rPr lang="fr-FR"/>
+              <a:t>Modifier les styles du texte du masque</a:t>
+            </a:r>
+          </a:p>
+        </p:txBody>
+      </p:sp>
+      <p:sp>
+        <p:nvSpPr>
+          <p:cNvPr id="4" name="Date Placeholder 3"/>
           <p:cNvSpPr>
             <a:spLocks noGrp="1"/>
           </p:cNvSpPr>
@@ -1052,9 +1009,9 @@
           <a:bodyPr/>
           <a:lstStyle/>
           <a:p>
-            <a:fld id="{7B6374C8-A32D-7145-9A71-5EBECD5610A3}" type="datetimeFigureOut">
+            <a:fld id="{482751F5-853A-457A-974E-82321C94E83E}" type="datetimeFigureOut">
               <a:rPr lang="fr-FR" smtClean="0"/>
-              <a:t>07/06/17</a:t>
+              <a:t>14/06/2017</a:t>
             </a:fld>
             <a:endParaRPr lang="fr-FR"/>
           </a:p>
@@ -1062,7 +1019,7 @@
       </p:sp>
       <p:sp>
         <p:nvSpPr>
-          <p:cNvPr id="5" name="Espace réservé du pied de page 4"/>
+          <p:cNvPr id="5" name="Footer Placeholder 4"/>
           <p:cNvSpPr>
             <a:spLocks noGrp="1"/>
           </p:cNvSpPr>
@@ -1081,7 +1038,7 @@
       </p:sp>
       <p:sp>
         <p:nvSpPr>
-          <p:cNvPr id="6" name="Espace réservé du numéro de diapositive 5"/>
+          <p:cNvPr id="6" name="Slide Number Placeholder 5"/>
           <p:cNvSpPr>
             <a:spLocks noGrp="1"/>
           </p:cNvSpPr>
@@ -1094,9 +1051,9 @@
           <a:bodyPr/>
           <a:lstStyle/>
           <a:p>
-            <a:fld id="{63B28E75-C649-9148-9C16-E9651CFF6EE8}" type="slidenum">
+            <a:fld id="{973BC97E-4424-4B86-952C-0BDCDFDAF2D3}" type="slidenum">
               <a:rPr lang="fr-FR" smtClean="0"/>
-              <a:t>‹#›</a:t>
+              <a:t>‹N°›</a:t>
             </a:fld>
             <a:endParaRPr lang="fr-FR"/>
           </a:p>
@@ -1105,7 +1062,7 @@
     </p:spTree>
     <p:extLst>
       <p:ext uri="{BB962C8B-B14F-4D97-AF65-F5344CB8AC3E}">
-        <p14:creationId xmlns:p14="http://schemas.microsoft.com/office/powerpoint/2010/main" val="3941913472"/>
+        <p14:creationId xmlns:p14="http://schemas.microsoft.com/office/powerpoint/2010/main" val="3742648143"/>
       </p:ext>
     </p:extLst>
   </p:cSld>
@@ -1134,7 +1091,7 @@
       </p:grpSpPr>
       <p:sp>
         <p:nvSpPr>
-          <p:cNvPr id="2" name="Titre 1"/>
+          <p:cNvPr id="2" name="Title 1"/>
           <p:cNvSpPr>
             <a:spLocks noGrp="1"/>
           </p:cNvSpPr>
@@ -1148,16 +1105,16 @@
           <a:lstStyle/>
           <a:p>
             <a:r>
-              <a:rPr lang="en-US" smtClean="0"/>
-              <a:t>Cliquez et modifiez le titre</a:t>
-            </a:r>
-            <a:endParaRPr lang="fr-FR"/>
-          </a:p>
-        </p:txBody>
-      </p:sp>
-      <p:sp>
-        <p:nvSpPr>
-          <p:cNvPr id="3" name="Espace réservé du contenu 2"/>
+              <a:rPr lang="fr-FR"/>
+              <a:t>Modifiez le style du titre</a:t>
+            </a:r>
+            <a:endParaRPr lang="en-US" dirty="0"/>
+          </a:p>
+        </p:txBody>
+      </p:sp>
+      <p:sp>
+        <p:nvSpPr>
+          <p:cNvPr id="3" name="Content Placeholder 2"/>
           <p:cNvSpPr>
             <a:spLocks noGrp="1"/>
           </p:cNvSpPr>
@@ -1167,82 +1124,54 @@
         </p:nvSpPr>
         <p:spPr>
           <a:xfrm>
-            <a:off x="342900" y="2133601"/>
-            <a:ext cx="3028950" cy="6034617"/>
+            <a:off x="471488" y="2434167"/>
+            <a:ext cx="2914650" cy="5801784"/>
           </a:xfrm>
         </p:spPr>
         <p:txBody>
           <a:bodyPr/>
-          <a:lstStyle>
-            <a:lvl1pPr>
-              <a:defRPr sz="2800"/>
-            </a:lvl1pPr>
-            <a:lvl2pPr>
-              <a:defRPr sz="2400"/>
-            </a:lvl2pPr>
-            <a:lvl3pPr>
-              <a:defRPr sz="2000"/>
-            </a:lvl3pPr>
-            <a:lvl4pPr>
-              <a:defRPr sz="1800"/>
-            </a:lvl4pPr>
-            <a:lvl5pPr>
-              <a:defRPr sz="1800"/>
-            </a:lvl5pPr>
-            <a:lvl6pPr>
-              <a:defRPr sz="1800"/>
-            </a:lvl6pPr>
-            <a:lvl7pPr>
-              <a:defRPr sz="1800"/>
-            </a:lvl7pPr>
-            <a:lvl8pPr>
-              <a:defRPr sz="1800"/>
-            </a:lvl8pPr>
-            <a:lvl9pPr>
-              <a:defRPr sz="1800"/>
-            </a:lvl9pPr>
-          </a:lstStyle>
+          <a:lstStyle/>
           <a:p>
             <a:pPr lvl="0"/>
             <a:r>
-              <a:rPr lang="en-US" smtClean="0"/>
-              <a:t>Cliquez pour modifier les styles du texte du masque</a:t>
+              <a:rPr lang="fr-FR"/>
+              <a:t>Modifier les styles du texte du masque</a:t>
             </a:r>
           </a:p>
           <a:p>
             <a:pPr lvl="1"/>
             <a:r>
-              <a:rPr lang="en-US" smtClean="0"/>
+              <a:rPr lang="fr-FR"/>
               <a:t>Deuxième niveau</a:t>
             </a:r>
           </a:p>
           <a:p>
             <a:pPr lvl="2"/>
             <a:r>
-              <a:rPr lang="en-US" smtClean="0"/>
+              <a:rPr lang="fr-FR"/>
               <a:t>Troisième niveau</a:t>
             </a:r>
           </a:p>
           <a:p>
             <a:pPr lvl="3"/>
             <a:r>
-              <a:rPr lang="en-US" smtClean="0"/>
+              <a:rPr lang="fr-FR"/>
               <a:t>Quatrième niveau</a:t>
             </a:r>
           </a:p>
           <a:p>
             <a:pPr lvl="4"/>
             <a:r>
-              <a:rPr lang="en-US" smtClean="0"/>
+              <a:rPr lang="fr-FR"/>
               <a:t>Cinquième niveau</a:t>
             </a:r>
-            <a:endParaRPr lang="fr-FR"/>
-          </a:p>
-        </p:txBody>
-      </p:sp>
-      <p:sp>
-        <p:nvSpPr>
-          <p:cNvPr id="4" name="Espace réservé du contenu 3"/>
+            <a:endParaRPr lang="en-US" dirty="0"/>
+          </a:p>
+        </p:txBody>
+      </p:sp>
+      <p:sp>
+        <p:nvSpPr>
+          <p:cNvPr id="4" name="Content Placeholder 3"/>
           <p:cNvSpPr>
             <a:spLocks noGrp="1"/>
           </p:cNvSpPr>
@@ -1252,82 +1181,54 @@
         </p:nvSpPr>
         <p:spPr>
           <a:xfrm>
-            <a:off x="3486150" y="2133601"/>
-            <a:ext cx="3028950" cy="6034617"/>
+            <a:off x="3471863" y="2434167"/>
+            <a:ext cx="2914650" cy="5801784"/>
           </a:xfrm>
         </p:spPr>
         <p:txBody>
           <a:bodyPr/>
-          <a:lstStyle>
-            <a:lvl1pPr>
-              <a:defRPr sz="2800"/>
-            </a:lvl1pPr>
-            <a:lvl2pPr>
-              <a:defRPr sz="2400"/>
-            </a:lvl2pPr>
-            <a:lvl3pPr>
-              <a:defRPr sz="2000"/>
-            </a:lvl3pPr>
-            <a:lvl4pPr>
-              <a:defRPr sz="1800"/>
-            </a:lvl4pPr>
-            <a:lvl5pPr>
-              <a:defRPr sz="1800"/>
-            </a:lvl5pPr>
-            <a:lvl6pPr>
-              <a:defRPr sz="1800"/>
-            </a:lvl6pPr>
-            <a:lvl7pPr>
-              <a:defRPr sz="1800"/>
-            </a:lvl7pPr>
-            <a:lvl8pPr>
-              <a:defRPr sz="1800"/>
-            </a:lvl8pPr>
-            <a:lvl9pPr>
-              <a:defRPr sz="1800"/>
-            </a:lvl9pPr>
-          </a:lstStyle>
+          <a:lstStyle/>
           <a:p>
             <a:pPr lvl="0"/>
             <a:r>
-              <a:rPr lang="en-US" smtClean="0"/>
-              <a:t>Cliquez pour modifier les styles du texte du masque</a:t>
+              <a:rPr lang="fr-FR"/>
+              <a:t>Modifier les styles du texte du masque</a:t>
             </a:r>
           </a:p>
           <a:p>
             <a:pPr lvl="1"/>
             <a:r>
-              <a:rPr lang="en-US" smtClean="0"/>
+              <a:rPr lang="fr-FR"/>
               <a:t>Deuxième niveau</a:t>
             </a:r>
           </a:p>
           <a:p>
             <a:pPr lvl="2"/>
             <a:r>
-              <a:rPr lang="en-US" smtClean="0"/>
+              <a:rPr lang="fr-FR"/>
               <a:t>Troisième niveau</a:t>
             </a:r>
           </a:p>
           <a:p>
             <a:pPr lvl="3"/>
             <a:r>
-              <a:rPr lang="en-US" smtClean="0"/>
+              <a:rPr lang="fr-FR"/>
               <a:t>Quatrième niveau</a:t>
             </a:r>
           </a:p>
           <a:p>
             <a:pPr lvl="4"/>
             <a:r>
-              <a:rPr lang="en-US" smtClean="0"/>
+              <a:rPr lang="fr-FR"/>
               <a:t>Cinquième niveau</a:t>
             </a:r>
-            <a:endParaRPr lang="fr-FR"/>
-          </a:p>
-        </p:txBody>
-      </p:sp>
-      <p:sp>
-        <p:nvSpPr>
-          <p:cNvPr id="5" name="Espace réservé de la date 4"/>
+            <a:endParaRPr lang="en-US" dirty="0"/>
+          </a:p>
+        </p:txBody>
+      </p:sp>
+      <p:sp>
+        <p:nvSpPr>
+          <p:cNvPr id="5" name="Date Placeholder 4"/>
           <p:cNvSpPr>
             <a:spLocks noGrp="1"/>
           </p:cNvSpPr>
@@ -1340,9 +1241,9 @@
           <a:bodyPr/>
           <a:lstStyle/>
           <a:p>
-            <a:fld id="{7B6374C8-A32D-7145-9A71-5EBECD5610A3}" type="datetimeFigureOut">
+            <a:fld id="{482751F5-853A-457A-974E-82321C94E83E}" type="datetimeFigureOut">
               <a:rPr lang="fr-FR" smtClean="0"/>
-              <a:t>07/06/17</a:t>
+              <a:t>14/06/2017</a:t>
             </a:fld>
             <a:endParaRPr lang="fr-FR"/>
           </a:p>
@@ -1350,7 +1251,7 @@
       </p:sp>
       <p:sp>
         <p:nvSpPr>
-          <p:cNvPr id="6" name="Espace réservé du pied de page 5"/>
+          <p:cNvPr id="6" name="Footer Placeholder 5"/>
           <p:cNvSpPr>
             <a:spLocks noGrp="1"/>
           </p:cNvSpPr>
@@ -1369,7 +1270,7 @@
       </p:sp>
       <p:sp>
         <p:nvSpPr>
-          <p:cNvPr id="7" name="Espace réservé du numéro de diapositive 6"/>
+          <p:cNvPr id="7" name="Slide Number Placeholder 6"/>
           <p:cNvSpPr>
             <a:spLocks noGrp="1"/>
           </p:cNvSpPr>
@@ -1382,9 +1283,9 @@
           <a:bodyPr/>
           <a:lstStyle/>
           <a:p>
-            <a:fld id="{63B28E75-C649-9148-9C16-E9651CFF6EE8}" type="slidenum">
+            <a:fld id="{973BC97E-4424-4B86-952C-0BDCDFDAF2D3}" type="slidenum">
               <a:rPr lang="fr-FR" smtClean="0"/>
-              <a:t>‹#›</a:t>
+              <a:t>‹N°›</a:t>
             </a:fld>
             <a:endParaRPr lang="fr-FR"/>
           </a:p>
@@ -1393,7 +1294,7 @@
     </p:spTree>
     <p:extLst>
       <p:ext uri="{BB962C8B-B14F-4D97-AF65-F5344CB8AC3E}">
-        <p14:creationId xmlns:p14="http://schemas.microsoft.com/office/powerpoint/2010/main" val="3307452171"/>
+        <p14:creationId xmlns:p14="http://schemas.microsoft.com/office/powerpoint/2010/main" val="1756390133"/>
       </p:ext>
     </p:extLst>
   </p:cSld>
@@ -1422,45 +1323,46 @@
       </p:grpSpPr>
       <p:sp>
         <p:nvSpPr>
-          <p:cNvPr id="2" name="Titre 1"/>
+          <p:cNvPr id="2" name="Title 1"/>
           <p:cNvSpPr>
             <a:spLocks noGrp="1"/>
           </p:cNvSpPr>
           <p:nvPr>
             <p:ph type="title"/>
-          </p:nvPr>
-        </p:nvSpPr>
-        <p:spPr/>
-        <p:txBody>
-          <a:bodyPr/>
-          <a:lstStyle>
-            <a:lvl1pPr>
-              <a:defRPr/>
-            </a:lvl1pPr>
-          </a:lstStyle>
-          <a:p>
-            <a:r>
-              <a:rPr lang="en-US" smtClean="0"/>
-              <a:t>Cliquez et modifiez le titre</a:t>
-            </a:r>
-            <a:endParaRPr lang="fr-FR"/>
-          </a:p>
-        </p:txBody>
-      </p:sp>
-      <p:sp>
-        <p:nvSpPr>
-          <p:cNvPr id="3" name="Espace réservé du texte 2"/>
-          <p:cNvSpPr>
-            <a:spLocks noGrp="1"/>
-          </p:cNvSpPr>
-          <p:nvPr>
-            <p:ph type="body" idx="1"/>
           </p:nvPr>
         </p:nvSpPr>
         <p:spPr>
           <a:xfrm>
-            <a:off x="342900" y="2046817"/>
-            <a:ext cx="3030141" cy="853016"/>
+            <a:off x="472381" y="486836"/>
+            <a:ext cx="5915025" cy="1767417"/>
+          </a:xfrm>
+        </p:spPr>
+        <p:txBody>
+          <a:bodyPr/>
+          <a:lstStyle/>
+          <a:p>
+            <a:r>
+              <a:rPr lang="fr-FR"/>
+              <a:t>Modifiez le style du titre</a:t>
+            </a:r>
+            <a:endParaRPr lang="en-US" dirty="0"/>
+          </a:p>
+        </p:txBody>
+      </p:sp>
+      <p:sp>
+        <p:nvSpPr>
+          <p:cNvPr id="3" name="Text Placeholder 2"/>
+          <p:cNvSpPr>
+            <a:spLocks noGrp="1"/>
+          </p:cNvSpPr>
+          <p:nvPr>
+            <p:ph type="body" idx="1"/>
+          </p:nvPr>
+        </p:nvSpPr>
+        <p:spPr>
+          <a:xfrm>
+            <a:off x="472381" y="2241551"/>
+            <a:ext cx="2901255" cy="1098549"/>
           </a:xfrm>
         </p:spPr>
         <p:txBody>
@@ -1468,53 +1370,53 @@
           <a:lstStyle>
             <a:lvl1pPr marL="0" indent="0">
               <a:buNone/>
-              <a:defRPr sz="2400" b="1"/>
+              <a:defRPr sz="1800" b="1"/>
             </a:lvl1pPr>
-            <a:lvl2pPr marL="457200" indent="0">
-              <a:buNone/>
-              <a:defRPr sz="2000" b="1"/>
+            <a:lvl2pPr marL="342900" indent="0">
+              <a:buNone/>
+              <a:defRPr sz="1500" b="1"/>
             </a:lvl2pPr>
-            <a:lvl3pPr marL="914400" indent="0">
-              <a:buNone/>
-              <a:defRPr sz="1800" b="1"/>
+            <a:lvl3pPr marL="685800" indent="0">
+              <a:buNone/>
+              <a:defRPr sz="1350" b="1"/>
             </a:lvl3pPr>
-            <a:lvl4pPr marL="1371600" indent="0">
-              <a:buNone/>
-              <a:defRPr sz="1600" b="1"/>
+            <a:lvl4pPr marL="1028700" indent="0">
+              <a:buNone/>
+              <a:defRPr sz="1200" b="1"/>
             </a:lvl4pPr>
-            <a:lvl5pPr marL="1828800" indent="0">
-              <a:buNone/>
-              <a:defRPr sz="1600" b="1"/>
+            <a:lvl5pPr marL="1371600" indent="0">
+              <a:buNone/>
+              <a:defRPr sz="1200" b="1"/>
             </a:lvl5pPr>
-            <a:lvl6pPr marL="2286000" indent="0">
-              <a:buNone/>
-              <a:defRPr sz="1600" b="1"/>
+            <a:lvl6pPr marL="1714500" indent="0">
+              <a:buNone/>
+              <a:defRPr sz="1200" b="1"/>
             </a:lvl6pPr>
-            <a:lvl7pPr marL="2743200" indent="0">
-              <a:buNone/>
-              <a:defRPr sz="1600" b="1"/>
+            <a:lvl7pPr marL="2057400" indent="0">
+              <a:buNone/>
+              <a:defRPr sz="1200" b="1"/>
             </a:lvl7pPr>
-            <a:lvl8pPr marL="3200400" indent="0">
-              <a:buNone/>
-              <a:defRPr sz="1600" b="1"/>
+            <a:lvl8pPr marL="2400300" indent="0">
+              <a:buNone/>
+              <a:defRPr sz="1200" b="1"/>
             </a:lvl8pPr>
-            <a:lvl9pPr marL="3657600" indent="0">
-              <a:buNone/>
-              <a:defRPr sz="1600" b="1"/>
+            <a:lvl9pPr marL="2743200" indent="0">
+              <a:buNone/>
+              <a:defRPr sz="1200" b="1"/>
             </a:lvl9pPr>
           </a:lstStyle>
           <a:p>
             <a:pPr lvl="0"/>
             <a:r>
-              <a:rPr lang="en-US" smtClean="0"/>
-              <a:t>Cliquez pour modifier les styles du texte du masque</a:t>
-            </a:r>
-          </a:p>
-        </p:txBody>
-      </p:sp>
-      <p:sp>
-        <p:nvSpPr>
-          <p:cNvPr id="4" name="Espace réservé du contenu 3"/>
+              <a:rPr lang="fr-FR"/>
+              <a:t>Modifier les styles du texte du masque</a:t>
+            </a:r>
+          </a:p>
+        </p:txBody>
+      </p:sp>
+      <p:sp>
+        <p:nvSpPr>
+          <p:cNvPr id="4" name="Content Placeholder 3"/>
           <p:cNvSpPr>
             <a:spLocks noGrp="1"/>
           </p:cNvSpPr>
@@ -1524,82 +1426,54 @@
         </p:nvSpPr>
         <p:spPr>
           <a:xfrm>
-            <a:off x="342900" y="2899833"/>
-            <a:ext cx="3030141" cy="5268384"/>
+            <a:off x="472381" y="3340100"/>
+            <a:ext cx="2901255" cy="4912784"/>
           </a:xfrm>
         </p:spPr>
         <p:txBody>
           <a:bodyPr/>
-          <a:lstStyle>
-            <a:lvl1pPr>
-              <a:defRPr sz="2400"/>
-            </a:lvl1pPr>
-            <a:lvl2pPr>
-              <a:defRPr sz="2000"/>
-            </a:lvl2pPr>
-            <a:lvl3pPr>
-              <a:defRPr sz="1800"/>
-            </a:lvl3pPr>
-            <a:lvl4pPr>
-              <a:defRPr sz="1600"/>
-            </a:lvl4pPr>
-            <a:lvl5pPr>
-              <a:defRPr sz="1600"/>
-            </a:lvl5pPr>
-            <a:lvl6pPr>
-              <a:defRPr sz="1600"/>
-            </a:lvl6pPr>
-            <a:lvl7pPr>
-              <a:defRPr sz="1600"/>
-            </a:lvl7pPr>
-            <a:lvl8pPr>
-              <a:defRPr sz="1600"/>
-            </a:lvl8pPr>
-            <a:lvl9pPr>
-              <a:defRPr sz="1600"/>
-            </a:lvl9pPr>
-          </a:lstStyle>
+          <a:lstStyle/>
           <a:p>
             <a:pPr lvl="0"/>
             <a:r>
-              <a:rPr lang="en-US" smtClean="0"/>
-              <a:t>Cliquez pour modifier les styles du texte du masque</a:t>
+              <a:rPr lang="fr-FR"/>
+              <a:t>Modifier les styles du texte du masque</a:t>
             </a:r>
           </a:p>
           <a:p>
             <a:pPr lvl="1"/>
             <a:r>
-              <a:rPr lang="en-US" smtClean="0"/>
+              <a:rPr lang="fr-FR"/>
               <a:t>Deuxième niveau</a:t>
             </a:r>
           </a:p>
           <a:p>
             <a:pPr lvl="2"/>
             <a:r>
-              <a:rPr lang="en-US" smtClean="0"/>
+              <a:rPr lang="fr-FR"/>
               <a:t>Troisième niveau</a:t>
             </a:r>
           </a:p>
           <a:p>
             <a:pPr lvl="3"/>
             <a:r>
-              <a:rPr lang="en-US" smtClean="0"/>
+              <a:rPr lang="fr-FR"/>
               <a:t>Quatrième niveau</a:t>
             </a:r>
           </a:p>
           <a:p>
             <a:pPr lvl="4"/>
             <a:r>
-              <a:rPr lang="en-US" smtClean="0"/>
+              <a:rPr lang="fr-FR"/>
               <a:t>Cinquième niveau</a:t>
             </a:r>
-            <a:endParaRPr lang="fr-FR"/>
-          </a:p>
-        </p:txBody>
-      </p:sp>
-      <p:sp>
-        <p:nvSpPr>
-          <p:cNvPr id="5" name="Espace réservé du texte 4"/>
+            <a:endParaRPr lang="en-US" dirty="0"/>
+          </a:p>
+        </p:txBody>
+      </p:sp>
+      <p:sp>
+        <p:nvSpPr>
+          <p:cNvPr id="5" name="Text Placeholder 4"/>
           <p:cNvSpPr>
             <a:spLocks noGrp="1"/>
           </p:cNvSpPr>
@@ -1609,8 +1483,8 @@
         </p:nvSpPr>
         <p:spPr>
           <a:xfrm>
-            <a:off x="3483769" y="2046817"/>
-            <a:ext cx="3031331" cy="853016"/>
+            <a:off x="3471863" y="2241551"/>
+            <a:ext cx="2915543" cy="1098549"/>
           </a:xfrm>
         </p:spPr>
         <p:txBody>
@@ -1618,53 +1492,53 @@
           <a:lstStyle>
             <a:lvl1pPr marL="0" indent="0">
               <a:buNone/>
-              <a:defRPr sz="2400" b="1"/>
+              <a:defRPr sz="1800" b="1"/>
             </a:lvl1pPr>
-            <a:lvl2pPr marL="457200" indent="0">
-              <a:buNone/>
-              <a:defRPr sz="2000" b="1"/>
+            <a:lvl2pPr marL="342900" indent="0">
+              <a:buNone/>
+              <a:defRPr sz="1500" b="1"/>
             </a:lvl2pPr>
-            <a:lvl3pPr marL="914400" indent="0">
-              <a:buNone/>
-              <a:defRPr sz="1800" b="1"/>
+            <a:lvl3pPr marL="685800" indent="0">
+              <a:buNone/>
+              <a:defRPr sz="1350" b="1"/>
             </a:lvl3pPr>
-            <a:lvl4pPr marL="1371600" indent="0">
-              <a:buNone/>
-              <a:defRPr sz="1600" b="1"/>
+            <a:lvl4pPr marL="1028700" indent="0">
+              <a:buNone/>
+              <a:defRPr sz="1200" b="1"/>
             </a:lvl4pPr>
-            <a:lvl5pPr marL="1828800" indent="0">
-              <a:buNone/>
-              <a:defRPr sz="1600" b="1"/>
+            <a:lvl5pPr marL="1371600" indent="0">
+              <a:buNone/>
+              <a:defRPr sz="1200" b="1"/>
             </a:lvl5pPr>
-            <a:lvl6pPr marL="2286000" indent="0">
-              <a:buNone/>
-              <a:defRPr sz="1600" b="1"/>
+            <a:lvl6pPr marL="1714500" indent="0">
+              <a:buNone/>
+              <a:defRPr sz="1200" b="1"/>
             </a:lvl6pPr>
-            <a:lvl7pPr marL="2743200" indent="0">
-              <a:buNone/>
-              <a:defRPr sz="1600" b="1"/>
+            <a:lvl7pPr marL="2057400" indent="0">
+              <a:buNone/>
+              <a:defRPr sz="1200" b="1"/>
             </a:lvl7pPr>
-            <a:lvl8pPr marL="3200400" indent="0">
-              <a:buNone/>
-              <a:defRPr sz="1600" b="1"/>
+            <a:lvl8pPr marL="2400300" indent="0">
+              <a:buNone/>
+              <a:defRPr sz="1200" b="1"/>
             </a:lvl8pPr>
-            <a:lvl9pPr marL="3657600" indent="0">
-              <a:buNone/>
-              <a:defRPr sz="1600" b="1"/>
+            <a:lvl9pPr marL="2743200" indent="0">
+              <a:buNone/>
+              <a:defRPr sz="1200" b="1"/>
             </a:lvl9pPr>
           </a:lstStyle>
           <a:p>
             <a:pPr lvl="0"/>
             <a:r>
-              <a:rPr lang="en-US" smtClean="0"/>
-              <a:t>Cliquez pour modifier les styles du texte du masque</a:t>
-            </a:r>
-          </a:p>
-        </p:txBody>
-      </p:sp>
-      <p:sp>
-        <p:nvSpPr>
-          <p:cNvPr id="6" name="Espace réservé du contenu 5"/>
+              <a:rPr lang="fr-FR"/>
+              <a:t>Modifier les styles du texte du masque</a:t>
+            </a:r>
+          </a:p>
+        </p:txBody>
+      </p:sp>
+      <p:sp>
+        <p:nvSpPr>
+          <p:cNvPr id="6" name="Content Placeholder 5"/>
           <p:cNvSpPr>
             <a:spLocks noGrp="1"/>
           </p:cNvSpPr>
@@ -1674,82 +1548,54 @@
         </p:nvSpPr>
         <p:spPr>
           <a:xfrm>
-            <a:off x="3483769" y="2899833"/>
-            <a:ext cx="3031331" cy="5268384"/>
+            <a:off x="3471863" y="3340100"/>
+            <a:ext cx="2915543" cy="4912784"/>
           </a:xfrm>
         </p:spPr>
         <p:txBody>
           <a:bodyPr/>
-          <a:lstStyle>
-            <a:lvl1pPr>
-              <a:defRPr sz="2400"/>
-            </a:lvl1pPr>
-            <a:lvl2pPr>
-              <a:defRPr sz="2000"/>
-            </a:lvl2pPr>
-            <a:lvl3pPr>
-              <a:defRPr sz="1800"/>
-            </a:lvl3pPr>
-            <a:lvl4pPr>
-              <a:defRPr sz="1600"/>
-            </a:lvl4pPr>
-            <a:lvl5pPr>
-              <a:defRPr sz="1600"/>
-            </a:lvl5pPr>
-            <a:lvl6pPr>
-              <a:defRPr sz="1600"/>
-            </a:lvl6pPr>
-            <a:lvl7pPr>
-              <a:defRPr sz="1600"/>
-            </a:lvl7pPr>
-            <a:lvl8pPr>
-              <a:defRPr sz="1600"/>
-            </a:lvl8pPr>
-            <a:lvl9pPr>
-              <a:defRPr sz="1600"/>
-            </a:lvl9pPr>
-          </a:lstStyle>
+          <a:lstStyle/>
           <a:p>
             <a:pPr lvl="0"/>
             <a:r>
-              <a:rPr lang="en-US" smtClean="0"/>
-              <a:t>Cliquez pour modifier les styles du texte du masque</a:t>
+              <a:rPr lang="fr-FR"/>
+              <a:t>Modifier les styles du texte du masque</a:t>
             </a:r>
           </a:p>
           <a:p>
             <a:pPr lvl="1"/>
             <a:r>
-              <a:rPr lang="en-US" smtClean="0"/>
+              <a:rPr lang="fr-FR"/>
               <a:t>Deuxième niveau</a:t>
             </a:r>
           </a:p>
           <a:p>
             <a:pPr lvl="2"/>
             <a:r>
-              <a:rPr lang="en-US" smtClean="0"/>
+              <a:rPr lang="fr-FR"/>
               <a:t>Troisième niveau</a:t>
             </a:r>
           </a:p>
           <a:p>
             <a:pPr lvl="3"/>
             <a:r>
-              <a:rPr lang="en-US" smtClean="0"/>
+              <a:rPr lang="fr-FR"/>
               <a:t>Quatrième niveau</a:t>
             </a:r>
           </a:p>
           <a:p>
             <a:pPr lvl="4"/>
             <a:r>
-              <a:rPr lang="en-US" smtClean="0"/>
+              <a:rPr lang="fr-FR"/>
               <a:t>Cinquième niveau</a:t>
             </a:r>
-            <a:endParaRPr lang="fr-FR"/>
-          </a:p>
-        </p:txBody>
-      </p:sp>
-      <p:sp>
-        <p:nvSpPr>
-          <p:cNvPr id="7" name="Espace réservé de la date 6"/>
+            <a:endParaRPr lang="en-US" dirty="0"/>
+          </a:p>
+        </p:txBody>
+      </p:sp>
+      <p:sp>
+        <p:nvSpPr>
+          <p:cNvPr id="7" name="Date Placeholder 6"/>
           <p:cNvSpPr>
             <a:spLocks noGrp="1"/>
           </p:cNvSpPr>
@@ -1762,9 +1608,9 @@
           <a:bodyPr/>
           <a:lstStyle/>
           <a:p>
-            <a:fld id="{7B6374C8-A32D-7145-9A71-5EBECD5610A3}" type="datetimeFigureOut">
+            <a:fld id="{482751F5-853A-457A-974E-82321C94E83E}" type="datetimeFigureOut">
               <a:rPr lang="fr-FR" smtClean="0"/>
-              <a:t>07/06/17</a:t>
+              <a:t>14/06/2017</a:t>
             </a:fld>
             <a:endParaRPr lang="fr-FR"/>
           </a:p>
@@ -1772,7 +1618,7 @@
       </p:sp>
       <p:sp>
         <p:nvSpPr>
-          <p:cNvPr id="8" name="Espace réservé du pied de page 7"/>
+          <p:cNvPr id="8" name="Footer Placeholder 7"/>
           <p:cNvSpPr>
             <a:spLocks noGrp="1"/>
           </p:cNvSpPr>
@@ -1791,7 +1637,7 @@
       </p:sp>
       <p:sp>
         <p:nvSpPr>
-          <p:cNvPr id="9" name="Espace réservé du numéro de diapositive 8"/>
+          <p:cNvPr id="9" name="Slide Number Placeholder 8"/>
           <p:cNvSpPr>
             <a:spLocks noGrp="1"/>
           </p:cNvSpPr>
@@ -1804,9 +1650,9 @@
           <a:bodyPr/>
           <a:lstStyle/>
           <a:p>
-            <a:fld id="{63B28E75-C649-9148-9C16-E9651CFF6EE8}" type="slidenum">
+            <a:fld id="{973BC97E-4424-4B86-952C-0BDCDFDAF2D3}" type="slidenum">
               <a:rPr lang="fr-FR" smtClean="0"/>
-              <a:t>‹#›</a:t>
+              <a:t>‹N°›</a:t>
             </a:fld>
             <a:endParaRPr lang="fr-FR"/>
           </a:p>
@@ -1815,7 +1661,7 @@
     </p:spTree>
     <p:extLst>
       <p:ext uri="{BB962C8B-B14F-4D97-AF65-F5344CB8AC3E}">
-        <p14:creationId xmlns:p14="http://schemas.microsoft.com/office/powerpoint/2010/main" val="1412556714"/>
+        <p14:creationId xmlns:p14="http://schemas.microsoft.com/office/powerpoint/2010/main" val="210931299"/>
       </p:ext>
     </p:extLst>
   </p:cSld>
@@ -1844,7 +1690,7 @@
       </p:grpSpPr>
       <p:sp>
         <p:nvSpPr>
-          <p:cNvPr id="2" name="Titre 1"/>
+          <p:cNvPr id="2" name="Title 1"/>
           <p:cNvSpPr>
             <a:spLocks noGrp="1"/>
           </p:cNvSpPr>
@@ -1858,16 +1704,16 @@
           <a:lstStyle/>
           <a:p>
             <a:r>
-              <a:rPr lang="en-US" smtClean="0"/>
-              <a:t>Cliquez et modifiez le titre</a:t>
-            </a:r>
-            <a:endParaRPr lang="fr-FR"/>
-          </a:p>
-        </p:txBody>
-      </p:sp>
-      <p:sp>
-        <p:nvSpPr>
-          <p:cNvPr id="3" name="Espace réservé de la date 2"/>
+              <a:rPr lang="fr-FR"/>
+              <a:t>Modifiez le style du titre</a:t>
+            </a:r>
+            <a:endParaRPr lang="en-US" dirty="0"/>
+          </a:p>
+        </p:txBody>
+      </p:sp>
+      <p:sp>
+        <p:nvSpPr>
+          <p:cNvPr id="3" name="Date Placeholder 2"/>
           <p:cNvSpPr>
             <a:spLocks noGrp="1"/>
           </p:cNvSpPr>
@@ -1880,9 +1726,9 @@
           <a:bodyPr/>
           <a:lstStyle/>
           <a:p>
-            <a:fld id="{7B6374C8-A32D-7145-9A71-5EBECD5610A3}" type="datetimeFigureOut">
+            <a:fld id="{482751F5-853A-457A-974E-82321C94E83E}" type="datetimeFigureOut">
               <a:rPr lang="fr-FR" smtClean="0"/>
-              <a:t>07/06/17</a:t>
+              <a:t>14/06/2017</a:t>
             </a:fld>
             <a:endParaRPr lang="fr-FR"/>
           </a:p>
@@ -1890,7 +1736,7 @@
       </p:sp>
       <p:sp>
         <p:nvSpPr>
-          <p:cNvPr id="4" name="Espace réservé du pied de page 3"/>
+          <p:cNvPr id="4" name="Footer Placeholder 3"/>
           <p:cNvSpPr>
             <a:spLocks noGrp="1"/>
           </p:cNvSpPr>
@@ -1909,7 +1755,7 @@
       </p:sp>
       <p:sp>
         <p:nvSpPr>
-          <p:cNvPr id="5" name="Espace réservé du numéro de diapositive 4"/>
+          <p:cNvPr id="5" name="Slide Number Placeholder 4"/>
           <p:cNvSpPr>
             <a:spLocks noGrp="1"/>
           </p:cNvSpPr>
@@ -1922,9 +1768,9 @@
           <a:bodyPr/>
           <a:lstStyle/>
           <a:p>
-            <a:fld id="{63B28E75-C649-9148-9C16-E9651CFF6EE8}" type="slidenum">
+            <a:fld id="{973BC97E-4424-4B86-952C-0BDCDFDAF2D3}" type="slidenum">
               <a:rPr lang="fr-FR" smtClean="0"/>
-              <a:t>‹#›</a:t>
+              <a:t>‹N°›</a:t>
             </a:fld>
             <a:endParaRPr lang="fr-FR"/>
           </a:p>
@@ -1933,7 +1779,7 @@
     </p:spTree>
     <p:extLst>
       <p:ext uri="{BB962C8B-B14F-4D97-AF65-F5344CB8AC3E}">
-        <p14:creationId xmlns:p14="http://schemas.microsoft.com/office/powerpoint/2010/main" val="780233091"/>
+        <p14:creationId xmlns:p14="http://schemas.microsoft.com/office/powerpoint/2010/main" val="1366783159"/>
       </p:ext>
     </p:extLst>
   </p:cSld>
@@ -1962,7 +1808,7 @@
       </p:grpSpPr>
       <p:sp>
         <p:nvSpPr>
-          <p:cNvPr id="2" name="Espace réservé de la date 1"/>
+          <p:cNvPr id="2" name="Date Placeholder 1"/>
           <p:cNvSpPr>
             <a:spLocks noGrp="1"/>
           </p:cNvSpPr>
@@ -1975,9 +1821,9 @@
           <a:bodyPr/>
           <a:lstStyle/>
           <a:p>
-            <a:fld id="{7B6374C8-A32D-7145-9A71-5EBECD5610A3}" type="datetimeFigureOut">
+            <a:fld id="{482751F5-853A-457A-974E-82321C94E83E}" type="datetimeFigureOut">
               <a:rPr lang="fr-FR" smtClean="0"/>
-              <a:t>07/06/17</a:t>
+              <a:t>14/06/2017</a:t>
             </a:fld>
             <a:endParaRPr lang="fr-FR"/>
           </a:p>
@@ -1985,7 +1831,7 @@
       </p:sp>
       <p:sp>
         <p:nvSpPr>
-          <p:cNvPr id="3" name="Espace réservé du pied de page 2"/>
+          <p:cNvPr id="3" name="Footer Placeholder 2"/>
           <p:cNvSpPr>
             <a:spLocks noGrp="1"/>
           </p:cNvSpPr>
@@ -2004,7 +1850,7 @@
       </p:sp>
       <p:sp>
         <p:nvSpPr>
-          <p:cNvPr id="4" name="Espace réservé du numéro de diapositive 3"/>
+          <p:cNvPr id="4" name="Slide Number Placeholder 3"/>
           <p:cNvSpPr>
             <a:spLocks noGrp="1"/>
           </p:cNvSpPr>
@@ -2017,9 +1863,9 @@
           <a:bodyPr/>
           <a:lstStyle/>
           <a:p>
-            <a:fld id="{63B28E75-C649-9148-9C16-E9651CFF6EE8}" type="slidenum">
+            <a:fld id="{973BC97E-4424-4B86-952C-0BDCDFDAF2D3}" type="slidenum">
               <a:rPr lang="fr-FR" smtClean="0"/>
-              <a:t>‹#›</a:t>
+              <a:t>‹N°›</a:t>
             </a:fld>
             <a:endParaRPr lang="fr-FR"/>
           </a:p>
@@ -2028,7 +1874,7 @@
     </p:spTree>
     <p:extLst>
       <p:ext uri="{BB962C8B-B14F-4D97-AF65-F5344CB8AC3E}">
-        <p14:creationId xmlns:p14="http://schemas.microsoft.com/office/powerpoint/2010/main" val="4059142294"/>
+        <p14:creationId xmlns:p14="http://schemas.microsoft.com/office/powerpoint/2010/main" val="401838175"/>
       </p:ext>
     </p:extLst>
   </p:cSld>
@@ -2057,7 +1903,7 @@
       </p:grpSpPr>
       <p:sp>
         <p:nvSpPr>
-          <p:cNvPr id="2" name="Titre 1"/>
+          <p:cNvPr id="2" name="Title 1"/>
           <p:cNvSpPr>
             <a:spLocks noGrp="1"/>
           </p:cNvSpPr>
@@ -2067,29 +1913,29 @@
         </p:nvSpPr>
         <p:spPr>
           <a:xfrm>
-            <a:off x="342900" y="364067"/>
-            <a:ext cx="2256235" cy="1549400"/>
+            <a:off x="472381" y="609600"/>
+            <a:ext cx="2211884" cy="2133600"/>
           </a:xfrm>
         </p:spPr>
         <p:txBody>
           <a:bodyPr anchor="b"/>
           <a:lstStyle>
-            <a:lvl1pPr algn="l">
-              <a:defRPr sz="2000" b="1"/>
+            <a:lvl1pPr>
+              <a:defRPr sz="2400"/>
             </a:lvl1pPr>
           </a:lstStyle>
           <a:p>
             <a:r>
-              <a:rPr lang="en-US" smtClean="0"/>
-              <a:t>Cliquez et modifiez le titre</a:t>
-            </a:r>
-            <a:endParaRPr lang="fr-FR"/>
-          </a:p>
-        </p:txBody>
-      </p:sp>
-      <p:sp>
-        <p:nvSpPr>
-          <p:cNvPr id="3" name="Espace réservé du contenu 2"/>
+              <a:rPr lang="fr-FR"/>
+              <a:t>Modifiez le style du titre</a:t>
+            </a:r>
+            <a:endParaRPr lang="en-US" dirty="0"/>
+          </a:p>
+        </p:txBody>
+      </p:sp>
+      <p:sp>
+        <p:nvSpPr>
+          <p:cNvPr id="3" name="Content Placeholder 2"/>
           <p:cNvSpPr>
             <a:spLocks noGrp="1"/>
           </p:cNvSpPr>
@@ -2099,82 +1945,82 @@
         </p:nvSpPr>
         <p:spPr>
           <a:xfrm>
-            <a:off x="2681287" y="364067"/>
-            <a:ext cx="3833813" cy="7804151"/>
+            <a:off x="2915543" y="1316569"/>
+            <a:ext cx="3471863" cy="6498167"/>
           </a:xfrm>
         </p:spPr>
         <p:txBody>
           <a:bodyPr/>
           <a:lstStyle>
             <a:lvl1pPr>
-              <a:defRPr sz="3200"/>
+              <a:defRPr sz="2400"/>
             </a:lvl1pPr>
             <a:lvl2pPr>
-              <a:defRPr sz="2800"/>
+              <a:defRPr sz="2100"/>
             </a:lvl2pPr>
             <a:lvl3pPr>
-              <a:defRPr sz="2400"/>
+              <a:defRPr sz="1800"/>
             </a:lvl3pPr>
             <a:lvl4pPr>
-              <a:defRPr sz="2000"/>
+              <a:defRPr sz="1500"/>
             </a:lvl4pPr>
             <a:lvl5pPr>
-              <a:defRPr sz="2000"/>
+              <a:defRPr sz="1500"/>
             </a:lvl5pPr>
             <a:lvl6pPr>
-              <a:defRPr sz="2000"/>
+              <a:defRPr sz="1500"/>
             </a:lvl6pPr>
             <a:lvl7pPr>
-              <a:defRPr sz="2000"/>
+              <a:defRPr sz="1500"/>
             </a:lvl7pPr>
             <a:lvl8pPr>
-              <a:defRPr sz="2000"/>
+              <a:defRPr sz="1500"/>
             </a:lvl8pPr>
             <a:lvl9pPr>
-              <a:defRPr sz="2000"/>
+              <a:defRPr sz="1500"/>
             </a:lvl9pPr>
           </a:lstStyle>
           <a:p>
             <a:pPr lvl="0"/>
             <a:r>
-              <a:rPr lang="en-US" smtClean="0"/>
-              <a:t>Cliquez pour modifier les styles du texte du masque</a:t>
+              <a:rPr lang="fr-FR"/>
+              <a:t>Modifier les styles du texte du masque</a:t>
             </a:r>
           </a:p>
           <a:p>
             <a:pPr lvl="1"/>
             <a:r>
-              <a:rPr lang="en-US" smtClean="0"/>
+              <a:rPr lang="fr-FR"/>
               <a:t>Deuxième niveau</a:t>
             </a:r>
           </a:p>
           <a:p>
             <a:pPr lvl="2"/>
             <a:r>
-              <a:rPr lang="en-US" smtClean="0"/>
+              <a:rPr lang="fr-FR"/>
               <a:t>Troisième niveau</a:t>
             </a:r>
           </a:p>
           <a:p>
             <a:pPr lvl="3"/>
             <a:r>
-              <a:rPr lang="en-US" smtClean="0"/>
+              <a:rPr lang="fr-FR"/>
               <a:t>Quatrième niveau</a:t>
             </a:r>
           </a:p>
           <a:p>
             <a:pPr lvl="4"/>
             <a:r>
-              <a:rPr lang="en-US" smtClean="0"/>
+              <a:rPr lang="fr-FR"/>
               <a:t>Cinquième niveau</a:t>
             </a:r>
-            <a:endParaRPr lang="fr-FR"/>
-          </a:p>
-        </p:txBody>
-      </p:sp>
-      <p:sp>
-        <p:nvSpPr>
-          <p:cNvPr id="4" name="Espace réservé du texte 3"/>
+            <a:endParaRPr lang="en-US" dirty="0"/>
+          </a:p>
+        </p:txBody>
+      </p:sp>
+      <p:sp>
+        <p:nvSpPr>
+          <p:cNvPr id="4" name="Text Placeholder 3"/>
           <p:cNvSpPr>
             <a:spLocks noGrp="1"/>
           </p:cNvSpPr>
@@ -2184,8 +2030,8 @@
         </p:nvSpPr>
         <p:spPr>
           <a:xfrm>
-            <a:off x="342900" y="1913467"/>
-            <a:ext cx="2256235" cy="6254751"/>
+            <a:off x="472381" y="2743200"/>
+            <a:ext cx="2211884" cy="5082117"/>
           </a:xfrm>
         </p:spPr>
         <p:txBody>
@@ -2193,53 +2039,53 @@
           <a:lstStyle>
             <a:lvl1pPr marL="0" indent="0">
               <a:buNone/>
-              <a:defRPr sz="1400"/>
+              <a:defRPr sz="1200"/>
             </a:lvl1pPr>
-            <a:lvl2pPr marL="457200" indent="0">
-              <a:buNone/>
-              <a:defRPr sz="1200"/>
+            <a:lvl2pPr marL="342900" indent="0">
+              <a:buNone/>
+              <a:defRPr sz="1050"/>
             </a:lvl2pPr>
-            <a:lvl3pPr marL="914400" indent="0">
-              <a:buNone/>
-              <a:defRPr sz="1000"/>
+            <a:lvl3pPr marL="685800" indent="0">
+              <a:buNone/>
+              <a:defRPr sz="900"/>
             </a:lvl3pPr>
-            <a:lvl4pPr marL="1371600" indent="0">
-              <a:buNone/>
-              <a:defRPr sz="900"/>
+            <a:lvl4pPr marL="1028700" indent="0">
+              <a:buNone/>
+              <a:defRPr sz="750"/>
             </a:lvl4pPr>
-            <a:lvl5pPr marL="1828800" indent="0">
-              <a:buNone/>
-              <a:defRPr sz="900"/>
+            <a:lvl5pPr marL="1371600" indent="0">
+              <a:buNone/>
+              <a:defRPr sz="750"/>
             </a:lvl5pPr>
-            <a:lvl6pPr marL="2286000" indent="0">
-              <a:buNone/>
-              <a:defRPr sz="900"/>
+            <a:lvl6pPr marL="1714500" indent="0">
+              <a:buNone/>
+              <a:defRPr sz="750"/>
             </a:lvl6pPr>
-            <a:lvl7pPr marL="2743200" indent="0">
-              <a:buNone/>
-              <a:defRPr sz="900"/>
+            <a:lvl7pPr marL="2057400" indent="0">
+              <a:buNone/>
+              <a:defRPr sz="750"/>
             </a:lvl7pPr>
-            <a:lvl8pPr marL="3200400" indent="0">
-              <a:buNone/>
-              <a:defRPr sz="900"/>
+            <a:lvl8pPr marL="2400300" indent="0">
+              <a:buNone/>
+              <a:defRPr sz="750"/>
             </a:lvl8pPr>
-            <a:lvl9pPr marL="3657600" indent="0">
-              <a:buNone/>
-              <a:defRPr sz="900"/>
+            <a:lvl9pPr marL="2743200" indent="0">
+              <a:buNone/>
+              <a:defRPr sz="750"/>
             </a:lvl9pPr>
           </a:lstStyle>
           <a:p>
             <a:pPr lvl="0"/>
             <a:r>
-              <a:rPr lang="en-US" smtClean="0"/>
-              <a:t>Cliquez pour modifier les styles du texte du masque</a:t>
-            </a:r>
-          </a:p>
-        </p:txBody>
-      </p:sp>
-      <p:sp>
-        <p:nvSpPr>
-          <p:cNvPr id="5" name="Espace réservé de la date 4"/>
+              <a:rPr lang="fr-FR"/>
+              <a:t>Modifier les styles du texte du masque</a:t>
+            </a:r>
+          </a:p>
+        </p:txBody>
+      </p:sp>
+      <p:sp>
+        <p:nvSpPr>
+          <p:cNvPr id="5" name="Date Placeholder 4"/>
           <p:cNvSpPr>
             <a:spLocks noGrp="1"/>
           </p:cNvSpPr>
@@ -2252,9 +2098,9 @@
           <a:bodyPr/>
           <a:lstStyle/>
           <a:p>
-            <a:fld id="{7B6374C8-A32D-7145-9A71-5EBECD5610A3}" type="datetimeFigureOut">
+            <a:fld id="{482751F5-853A-457A-974E-82321C94E83E}" type="datetimeFigureOut">
               <a:rPr lang="fr-FR" smtClean="0"/>
-              <a:t>07/06/17</a:t>
+              <a:t>14/06/2017</a:t>
             </a:fld>
             <a:endParaRPr lang="fr-FR"/>
           </a:p>
@@ -2262,7 +2108,7 @@
       </p:sp>
       <p:sp>
         <p:nvSpPr>
-          <p:cNvPr id="6" name="Espace réservé du pied de page 5"/>
+          <p:cNvPr id="6" name="Footer Placeholder 5"/>
           <p:cNvSpPr>
             <a:spLocks noGrp="1"/>
           </p:cNvSpPr>
@@ -2281,7 +2127,7 @@
       </p:sp>
       <p:sp>
         <p:nvSpPr>
-          <p:cNvPr id="7" name="Espace réservé du numéro de diapositive 6"/>
+          <p:cNvPr id="7" name="Slide Number Placeholder 6"/>
           <p:cNvSpPr>
             <a:spLocks noGrp="1"/>
           </p:cNvSpPr>
@@ -2294,9 +2140,9 @@
           <a:bodyPr/>
           <a:lstStyle/>
           <a:p>
-            <a:fld id="{63B28E75-C649-9148-9C16-E9651CFF6EE8}" type="slidenum">
+            <a:fld id="{973BC97E-4424-4B86-952C-0BDCDFDAF2D3}" type="slidenum">
               <a:rPr lang="fr-FR" smtClean="0"/>
-              <a:t>‹#›</a:t>
+              <a:t>‹N°›</a:t>
             </a:fld>
             <a:endParaRPr lang="fr-FR"/>
           </a:p>
@@ -2305,7 +2151,7 @@
     </p:spTree>
     <p:extLst>
       <p:ext uri="{BB962C8B-B14F-4D97-AF65-F5344CB8AC3E}">
-        <p14:creationId xmlns:p14="http://schemas.microsoft.com/office/powerpoint/2010/main" val="1538165657"/>
+        <p14:creationId xmlns:p14="http://schemas.microsoft.com/office/powerpoint/2010/main" val="1553579685"/>
       </p:ext>
     </p:extLst>
   </p:cSld>
@@ -2334,7 +2180,7 @@
       </p:grpSpPr>
       <p:sp>
         <p:nvSpPr>
-          <p:cNvPr id="2" name="Titre 1"/>
+          <p:cNvPr id="2" name="Title 1"/>
           <p:cNvSpPr>
             <a:spLocks noGrp="1"/>
           </p:cNvSpPr>
@@ -2344,31 +2190,31 @@
         </p:nvSpPr>
         <p:spPr>
           <a:xfrm>
-            <a:off x="1344216" y="6400800"/>
-            <a:ext cx="4114800" cy="755651"/>
+            <a:off x="472381" y="609600"/>
+            <a:ext cx="2211884" cy="2133600"/>
           </a:xfrm>
         </p:spPr>
         <p:txBody>
           <a:bodyPr anchor="b"/>
           <a:lstStyle>
-            <a:lvl1pPr algn="l">
-              <a:defRPr sz="2000" b="1"/>
+            <a:lvl1pPr>
+              <a:defRPr sz="2400"/>
             </a:lvl1pPr>
           </a:lstStyle>
           <a:p>
             <a:r>
-              <a:rPr lang="en-US" smtClean="0"/>
-              <a:t>Cliquez et modifiez le titre</a:t>
-            </a:r>
-            <a:endParaRPr lang="fr-FR"/>
-          </a:p>
-        </p:txBody>
-      </p:sp>
-      <p:sp>
-        <p:nvSpPr>
-          <p:cNvPr id="3" name="Espace réservé pour une image  2"/>
-          <p:cNvSpPr>
-            <a:spLocks noGrp="1"/>
+              <a:rPr lang="fr-FR"/>
+              <a:t>Modifiez le style du titre</a:t>
+            </a:r>
+            <a:endParaRPr lang="en-US" dirty="0"/>
+          </a:p>
+        </p:txBody>
+      </p:sp>
+      <p:sp>
+        <p:nvSpPr>
+          <p:cNvPr id="3" name="Picture Placeholder 2"/>
+          <p:cNvSpPr>
+            <a:spLocks noGrp="1" noChangeAspect="1"/>
           </p:cNvSpPr>
           <p:nvPr>
             <p:ph type="pic" idx="1"/>
@@ -2376,58 +2222,62 @@
         </p:nvSpPr>
         <p:spPr>
           <a:xfrm>
-            <a:off x="1344216" y="817033"/>
-            <a:ext cx="4114800" cy="5486400"/>
+            <a:off x="2915543" y="1316569"/>
+            <a:ext cx="3471863" cy="6498167"/>
           </a:xfrm>
         </p:spPr>
         <p:txBody>
-          <a:bodyPr/>
+          <a:bodyPr anchor="t"/>
           <a:lstStyle>
             <a:lvl1pPr marL="0" indent="0">
               <a:buNone/>
-              <a:defRPr sz="3200"/>
+              <a:defRPr sz="2400"/>
             </a:lvl1pPr>
-            <a:lvl2pPr marL="457200" indent="0">
-              <a:buNone/>
-              <a:defRPr sz="2800"/>
+            <a:lvl2pPr marL="342900" indent="0">
+              <a:buNone/>
+              <a:defRPr sz="2100"/>
             </a:lvl2pPr>
-            <a:lvl3pPr marL="914400" indent="0">
-              <a:buNone/>
-              <a:defRPr sz="2400"/>
+            <a:lvl3pPr marL="685800" indent="0">
+              <a:buNone/>
+              <a:defRPr sz="1800"/>
             </a:lvl3pPr>
-            <a:lvl4pPr marL="1371600" indent="0">
-              <a:buNone/>
-              <a:defRPr sz="2000"/>
+            <a:lvl4pPr marL="1028700" indent="0">
+              <a:buNone/>
+              <a:defRPr sz="1500"/>
             </a:lvl4pPr>
-            <a:lvl5pPr marL="1828800" indent="0">
-              <a:buNone/>
-              <a:defRPr sz="2000"/>
+            <a:lvl5pPr marL="1371600" indent="0">
+              <a:buNone/>
+              <a:defRPr sz="1500"/>
             </a:lvl5pPr>
-            <a:lvl6pPr marL="2286000" indent="0">
-              <a:buNone/>
-              <a:defRPr sz="2000"/>
+            <a:lvl6pPr marL="1714500" indent="0">
+              <a:buNone/>
+              <a:defRPr sz="1500"/>
             </a:lvl6pPr>
-            <a:lvl7pPr marL="2743200" indent="0">
-              <a:buNone/>
-              <a:defRPr sz="2000"/>
+            <a:lvl7pPr marL="2057400" indent="0">
+              <a:buNone/>
+              <a:defRPr sz="1500"/>
             </a:lvl7pPr>
-            <a:lvl8pPr marL="3200400" indent="0">
-              <a:buNone/>
-              <a:defRPr sz="2000"/>
+            <a:lvl8pPr marL="2400300" indent="0">
+              <a:buNone/>
+              <a:defRPr sz="1500"/>
             </a:lvl8pPr>
-            <a:lvl9pPr marL="3657600" indent="0">
-              <a:buNone/>
-              <a:defRPr sz="2000"/>
+            <a:lvl9pPr marL="2743200" indent="0">
+              <a:buNone/>
+              <a:defRPr sz="1500"/>
             </a:lvl9pPr>
           </a:lstStyle>
           <a:p>
-            <a:endParaRPr lang="fr-FR"/>
-          </a:p>
-        </p:txBody>
-      </p:sp>
-      <p:sp>
-        <p:nvSpPr>
-          <p:cNvPr id="4" name="Espace réservé du texte 3"/>
+            <a:r>
+              <a:rPr lang="fr-FR"/>
+              <a:t>Cliquez sur l'icône pour ajouter une image</a:t>
+            </a:r>
+            <a:endParaRPr lang="en-US" dirty="0"/>
+          </a:p>
+        </p:txBody>
+      </p:sp>
+      <p:sp>
+        <p:nvSpPr>
+          <p:cNvPr id="4" name="Text Placeholder 3"/>
           <p:cNvSpPr>
             <a:spLocks noGrp="1"/>
           </p:cNvSpPr>
@@ -2437,8 +2287,8 @@
         </p:nvSpPr>
         <p:spPr>
           <a:xfrm>
-            <a:off x="1344216" y="7156451"/>
-            <a:ext cx="4114800" cy="1073149"/>
+            <a:off x="472381" y="2743200"/>
+            <a:ext cx="2211884" cy="5082117"/>
           </a:xfrm>
         </p:spPr>
         <p:txBody>
@@ -2446,53 +2296,53 @@
           <a:lstStyle>
             <a:lvl1pPr marL="0" indent="0">
               <a:buNone/>
-              <a:defRPr sz="1400"/>
+              <a:defRPr sz="1200"/>
             </a:lvl1pPr>
-            <a:lvl2pPr marL="457200" indent="0">
-              <a:buNone/>
-              <a:defRPr sz="1200"/>
+            <a:lvl2pPr marL="342900" indent="0">
+              <a:buNone/>
+              <a:defRPr sz="1050"/>
             </a:lvl2pPr>
-            <a:lvl3pPr marL="914400" indent="0">
-              <a:buNone/>
-              <a:defRPr sz="1000"/>
+            <a:lvl3pPr marL="685800" indent="0">
+              <a:buNone/>
+              <a:defRPr sz="900"/>
             </a:lvl3pPr>
-            <a:lvl4pPr marL="1371600" indent="0">
-              <a:buNone/>
-              <a:defRPr sz="900"/>
+            <a:lvl4pPr marL="1028700" indent="0">
+              <a:buNone/>
+              <a:defRPr sz="750"/>
             </a:lvl4pPr>
-            <a:lvl5pPr marL="1828800" indent="0">
-              <a:buNone/>
-              <a:defRPr sz="900"/>
+            <a:lvl5pPr marL="1371600" indent="0">
+              <a:buNone/>
+              <a:defRPr sz="750"/>
             </a:lvl5pPr>
-            <a:lvl6pPr marL="2286000" indent="0">
-              <a:buNone/>
-              <a:defRPr sz="900"/>
+            <a:lvl6pPr marL="1714500" indent="0">
+              <a:buNone/>
+              <a:defRPr sz="750"/>
             </a:lvl6pPr>
-            <a:lvl7pPr marL="2743200" indent="0">
-              <a:buNone/>
-              <a:defRPr sz="900"/>
+            <a:lvl7pPr marL="2057400" indent="0">
+              <a:buNone/>
+              <a:defRPr sz="750"/>
             </a:lvl7pPr>
-            <a:lvl8pPr marL="3200400" indent="0">
-              <a:buNone/>
-              <a:defRPr sz="900"/>
+            <a:lvl8pPr marL="2400300" indent="0">
+              <a:buNone/>
+              <a:defRPr sz="750"/>
             </a:lvl8pPr>
-            <a:lvl9pPr marL="3657600" indent="0">
-              <a:buNone/>
-              <a:defRPr sz="900"/>
+            <a:lvl9pPr marL="2743200" indent="0">
+              <a:buNone/>
+              <a:defRPr sz="750"/>
             </a:lvl9pPr>
           </a:lstStyle>
           <a:p>
             <a:pPr lvl="0"/>
             <a:r>
-              <a:rPr lang="en-US" smtClean="0"/>
-              <a:t>Cliquez pour modifier les styles du texte du masque</a:t>
-            </a:r>
-          </a:p>
-        </p:txBody>
-      </p:sp>
-      <p:sp>
-        <p:nvSpPr>
-          <p:cNvPr id="5" name="Espace réservé de la date 4"/>
+              <a:rPr lang="fr-FR"/>
+              <a:t>Modifier les styles du texte du masque</a:t>
+            </a:r>
+          </a:p>
+        </p:txBody>
+      </p:sp>
+      <p:sp>
+        <p:nvSpPr>
+          <p:cNvPr id="5" name="Date Placeholder 4"/>
           <p:cNvSpPr>
             <a:spLocks noGrp="1"/>
           </p:cNvSpPr>
@@ -2505,9 +2355,9 @@
           <a:bodyPr/>
           <a:lstStyle/>
           <a:p>
-            <a:fld id="{7B6374C8-A32D-7145-9A71-5EBECD5610A3}" type="datetimeFigureOut">
+            <a:fld id="{482751F5-853A-457A-974E-82321C94E83E}" type="datetimeFigureOut">
               <a:rPr lang="fr-FR" smtClean="0"/>
-              <a:t>07/06/17</a:t>
+              <a:t>14/06/2017</a:t>
             </a:fld>
             <a:endParaRPr lang="fr-FR"/>
           </a:p>
@@ -2515,7 +2365,7 @@
       </p:sp>
       <p:sp>
         <p:nvSpPr>
-          <p:cNvPr id="6" name="Espace réservé du pied de page 5"/>
+          <p:cNvPr id="6" name="Footer Placeholder 5"/>
           <p:cNvSpPr>
             <a:spLocks noGrp="1"/>
           </p:cNvSpPr>
@@ -2534,7 +2384,7 @@
       </p:sp>
       <p:sp>
         <p:nvSpPr>
-          <p:cNvPr id="7" name="Espace réservé du numéro de diapositive 6"/>
+          <p:cNvPr id="7" name="Slide Number Placeholder 6"/>
           <p:cNvSpPr>
             <a:spLocks noGrp="1"/>
           </p:cNvSpPr>
@@ -2547,9 +2397,9 @@
           <a:bodyPr/>
           <a:lstStyle/>
           <a:p>
-            <a:fld id="{63B28E75-C649-9148-9C16-E9651CFF6EE8}" type="slidenum">
+            <a:fld id="{973BC97E-4424-4B86-952C-0BDCDFDAF2D3}" type="slidenum">
               <a:rPr lang="fr-FR" smtClean="0"/>
-              <a:t>‹#›</a:t>
+              <a:t>‹N°›</a:t>
             </a:fld>
             <a:endParaRPr lang="fr-FR"/>
           </a:p>
@@ -2558,7 +2408,7 @@
     </p:spTree>
     <p:extLst>
       <p:ext uri="{BB962C8B-B14F-4D97-AF65-F5344CB8AC3E}">
-        <p14:creationId xmlns:p14="http://schemas.microsoft.com/office/powerpoint/2010/main" val="2565920867"/>
+        <p14:creationId xmlns:p14="http://schemas.microsoft.com/office/powerpoint/2010/main" val="3007425623"/>
       </p:ext>
     </p:extLst>
   </p:cSld>
@@ -2592,7 +2442,7 @@
       </p:grpSpPr>
       <p:sp>
         <p:nvSpPr>
-          <p:cNvPr id="2" name="Espace réservé du titre 1"/>
+          <p:cNvPr id="2" name="Title Placeholder 1"/>
           <p:cNvSpPr>
             <a:spLocks noGrp="1"/>
           </p:cNvSpPr>
@@ -2602,8 +2452,8 @@
         </p:nvSpPr>
         <p:spPr>
           <a:xfrm>
-            <a:off x="342900" y="366184"/>
-            <a:ext cx="6172200" cy="1524000"/>
+            <a:off x="471488" y="486836"/>
+            <a:ext cx="5915025" cy="1767417"/>
           </a:xfrm>
           <a:prstGeom prst="rect">
             <a:avLst/>
@@ -2616,16 +2466,16 @@
           <a:lstStyle/>
           <a:p>
             <a:r>
-              <a:rPr lang="en-US" smtClean="0"/>
-              <a:t>Cliquez et modifiez le titre</a:t>
-            </a:r>
-            <a:endParaRPr lang="fr-FR"/>
-          </a:p>
-        </p:txBody>
-      </p:sp>
-      <p:sp>
-        <p:nvSpPr>
-          <p:cNvPr id="3" name="Espace réservé du texte 2"/>
+              <a:rPr lang="fr-FR"/>
+              <a:t>Modifiez le style du titre</a:t>
+            </a:r>
+            <a:endParaRPr lang="en-US" dirty="0"/>
+          </a:p>
+        </p:txBody>
+      </p:sp>
+      <p:sp>
+        <p:nvSpPr>
+          <p:cNvPr id="3" name="Text Placeholder 2"/>
           <p:cNvSpPr>
             <a:spLocks noGrp="1"/>
           </p:cNvSpPr>
@@ -2635,8 +2485,8 @@
         </p:nvSpPr>
         <p:spPr>
           <a:xfrm>
-            <a:off x="342900" y="2133601"/>
-            <a:ext cx="6172200" cy="6034617"/>
+            <a:off x="471488" y="2434167"/>
+            <a:ext cx="5915025" cy="5801784"/>
           </a:xfrm>
           <a:prstGeom prst="rect">
             <a:avLst/>
@@ -2650,44 +2500,44 @@
           <a:p>
             <a:pPr lvl="0"/>
             <a:r>
-              <a:rPr lang="en-US" smtClean="0"/>
-              <a:t>Cliquez pour modifier les styles du texte du masque</a:t>
+              <a:rPr lang="fr-FR"/>
+              <a:t>Modifier les styles du texte du masque</a:t>
             </a:r>
           </a:p>
           <a:p>
             <a:pPr lvl="1"/>
             <a:r>
-              <a:rPr lang="en-US" smtClean="0"/>
+              <a:rPr lang="fr-FR"/>
               <a:t>Deuxième niveau</a:t>
             </a:r>
           </a:p>
           <a:p>
             <a:pPr lvl="2"/>
             <a:r>
-              <a:rPr lang="en-US" smtClean="0"/>
+              <a:rPr lang="fr-FR"/>
               <a:t>Troisième niveau</a:t>
             </a:r>
           </a:p>
           <a:p>
             <a:pPr lvl="3"/>
             <a:r>
-              <a:rPr lang="en-US" smtClean="0"/>
+              <a:rPr lang="fr-FR"/>
               <a:t>Quatrième niveau</a:t>
             </a:r>
           </a:p>
           <a:p>
             <a:pPr lvl="4"/>
             <a:r>
-              <a:rPr lang="en-US" smtClean="0"/>
+              <a:rPr lang="fr-FR"/>
               <a:t>Cinquième niveau</a:t>
             </a:r>
-            <a:endParaRPr lang="fr-FR"/>
-          </a:p>
-        </p:txBody>
-      </p:sp>
-      <p:sp>
-        <p:nvSpPr>
-          <p:cNvPr id="4" name="Espace réservé de la date 3"/>
+            <a:endParaRPr lang="en-US" dirty="0"/>
+          </a:p>
+        </p:txBody>
+      </p:sp>
+      <p:sp>
+        <p:nvSpPr>
+          <p:cNvPr id="4" name="Date Placeholder 3"/>
           <p:cNvSpPr>
             <a:spLocks noGrp="1"/>
           </p:cNvSpPr>
@@ -2697,8 +2547,8 @@
         </p:nvSpPr>
         <p:spPr>
           <a:xfrm>
-            <a:off x="342900" y="8475134"/>
-            <a:ext cx="1600200" cy="486833"/>
+            <a:off x="471488" y="8475136"/>
+            <a:ext cx="1543050" cy="486833"/>
           </a:xfrm>
           <a:prstGeom prst="rect">
             <a:avLst/>
@@ -2708,7 +2558,7 @@
           <a:bodyPr vert="horz" lIns="91440" tIns="45720" rIns="91440" bIns="45720" rtlCol="0" anchor="ctr"/>
           <a:lstStyle>
             <a:lvl1pPr algn="l">
-              <a:defRPr sz="1200">
+              <a:defRPr sz="900">
                 <a:solidFill>
                   <a:schemeClr val="tx1">
                     <a:tint val="75000"/>
@@ -2718,9 +2568,9 @@
             </a:lvl1pPr>
           </a:lstStyle>
           <a:p>
-            <a:fld id="{7B6374C8-A32D-7145-9A71-5EBECD5610A3}" type="datetimeFigureOut">
+            <a:fld id="{482751F5-853A-457A-974E-82321C94E83E}" type="datetimeFigureOut">
               <a:rPr lang="fr-FR" smtClean="0"/>
-              <a:t>07/06/17</a:t>
+              <a:t>14/06/2017</a:t>
             </a:fld>
             <a:endParaRPr lang="fr-FR"/>
           </a:p>
@@ -2728,7 +2578,7 @@
       </p:sp>
       <p:sp>
         <p:nvSpPr>
-          <p:cNvPr id="5" name="Espace réservé du pied de page 4"/>
+          <p:cNvPr id="5" name="Footer Placeholder 4"/>
           <p:cNvSpPr>
             <a:spLocks noGrp="1"/>
           </p:cNvSpPr>
@@ -2738,8 +2588,8 @@
         </p:nvSpPr>
         <p:spPr>
           <a:xfrm>
-            <a:off x="2343150" y="8475134"/>
-            <a:ext cx="2171700" cy="486833"/>
+            <a:off x="2271713" y="8475136"/>
+            <a:ext cx="2314575" cy="486833"/>
           </a:xfrm>
           <a:prstGeom prst="rect">
             <a:avLst/>
@@ -2749,7 +2599,7 @@
           <a:bodyPr vert="horz" lIns="91440" tIns="45720" rIns="91440" bIns="45720" rtlCol="0" anchor="ctr"/>
           <a:lstStyle>
             <a:lvl1pPr algn="ctr">
-              <a:defRPr sz="1200">
+              <a:defRPr sz="900">
                 <a:solidFill>
                   <a:schemeClr val="tx1">
                     <a:tint val="75000"/>
@@ -2765,7 +2615,7 @@
       </p:sp>
       <p:sp>
         <p:nvSpPr>
-          <p:cNvPr id="6" name="Espace réservé du numéro de diapositive 5"/>
+          <p:cNvPr id="6" name="Slide Number Placeholder 5"/>
           <p:cNvSpPr>
             <a:spLocks noGrp="1"/>
           </p:cNvSpPr>
@@ -2775,8 +2625,8 @@
         </p:nvSpPr>
         <p:spPr>
           <a:xfrm>
-            <a:off x="4914900" y="8475134"/>
-            <a:ext cx="1600200" cy="486833"/>
+            <a:off x="4843463" y="8475136"/>
+            <a:ext cx="1543050" cy="486833"/>
           </a:xfrm>
           <a:prstGeom prst="rect">
             <a:avLst/>
@@ -2786,7 +2636,7 @@
           <a:bodyPr vert="horz" lIns="91440" tIns="45720" rIns="91440" bIns="45720" rtlCol="0" anchor="ctr"/>
           <a:lstStyle>
             <a:lvl1pPr algn="r">
-              <a:defRPr sz="1200">
+              <a:defRPr sz="900">
                 <a:solidFill>
                   <a:schemeClr val="tx1">
                     <a:tint val="75000"/>
@@ -2796,9 +2646,9 @@
             </a:lvl1pPr>
           </a:lstStyle>
           <a:p>
-            <a:fld id="{63B28E75-C649-9148-9C16-E9651CFF6EE8}" type="slidenum">
+            <a:fld id="{973BC97E-4424-4B86-952C-0BDCDFDAF2D3}" type="slidenum">
               <a:rPr lang="fr-FR" smtClean="0"/>
-              <a:t>‹#›</a:t>
+              <a:t>‹N°›</a:t>
             </a:fld>
             <a:endParaRPr lang="fr-FR"/>
           </a:p>
@@ -2807,32 +2657,35 @@
     </p:spTree>
     <p:extLst>
       <p:ext uri="{BB962C8B-B14F-4D97-AF65-F5344CB8AC3E}">
-        <p14:creationId xmlns:p14="http://schemas.microsoft.com/office/powerpoint/2010/main" val="3557472276"/>
+        <p14:creationId xmlns:p14="http://schemas.microsoft.com/office/powerpoint/2010/main" val="1268319581"/>
       </p:ext>
     </p:extLst>
   </p:cSld>
   <p:clrMap bg1="lt1" tx1="dk1" bg2="lt2" tx2="dk2" accent1="accent1" accent2="accent2" accent3="accent3" accent4="accent4" accent5="accent5" accent6="accent6" hlink="hlink" folHlink="folHlink"/>
   <p:sldLayoutIdLst>
-    <p:sldLayoutId id="2147483649" r:id="rId1"/>
-    <p:sldLayoutId id="2147483650" r:id="rId2"/>
-    <p:sldLayoutId id="2147483651" r:id="rId3"/>
-    <p:sldLayoutId id="2147483652" r:id="rId4"/>
-    <p:sldLayoutId id="2147483653" r:id="rId5"/>
-    <p:sldLayoutId id="2147483654" r:id="rId6"/>
-    <p:sldLayoutId id="2147483655" r:id="rId7"/>
-    <p:sldLayoutId id="2147483656" r:id="rId8"/>
-    <p:sldLayoutId id="2147483657" r:id="rId9"/>
-    <p:sldLayoutId id="2147483658" r:id="rId10"/>
-    <p:sldLayoutId id="2147483659" r:id="rId11"/>
+    <p:sldLayoutId id="2147483673" r:id="rId1"/>
+    <p:sldLayoutId id="2147483674" r:id="rId2"/>
+    <p:sldLayoutId id="2147483675" r:id="rId3"/>
+    <p:sldLayoutId id="2147483676" r:id="rId4"/>
+    <p:sldLayoutId id="2147483677" r:id="rId5"/>
+    <p:sldLayoutId id="2147483678" r:id="rId6"/>
+    <p:sldLayoutId id="2147483679" r:id="rId7"/>
+    <p:sldLayoutId id="2147483680" r:id="rId8"/>
+    <p:sldLayoutId id="2147483681" r:id="rId9"/>
+    <p:sldLayoutId id="2147483682" r:id="rId10"/>
+    <p:sldLayoutId id="2147483683" r:id="rId11"/>
   </p:sldLayoutIdLst>
   <p:txStyles>
     <p:titleStyle>
-      <a:lvl1pPr algn="ctr" defTabSz="457200" rtl="0" eaLnBrk="1" latinLnBrk="0" hangingPunct="1">
+      <a:lvl1pPr algn="l" defTabSz="685800" rtl="0" eaLnBrk="1" latinLnBrk="0" hangingPunct="1">
+        <a:lnSpc>
+          <a:spcPct val="90000"/>
+        </a:lnSpc>
         <a:spcBef>
           <a:spcPct val="0"/>
         </a:spcBef>
         <a:buNone/>
-        <a:defRPr sz="4400" kern="1200">
+        <a:defRPr sz="3300" kern="1200">
           <a:solidFill>
             <a:schemeClr val="tx1"/>
           </a:solidFill>
@@ -2843,13 +2696,16 @@
       </a:lvl1pPr>
     </p:titleStyle>
     <p:bodyStyle>
-      <a:lvl1pPr marL="342900" indent="-342900" algn="l" defTabSz="457200" rtl="0" eaLnBrk="1" latinLnBrk="0" hangingPunct="1">
+      <a:lvl1pPr marL="171450" indent="-171450" algn="l" defTabSz="685800" rtl="0" eaLnBrk="1" latinLnBrk="0" hangingPunct="1">
+        <a:lnSpc>
+          <a:spcPct val="90000"/>
+        </a:lnSpc>
         <a:spcBef>
-          <a:spcPct val="20000"/>
+          <a:spcPts val="750"/>
         </a:spcBef>
-        <a:buFont typeface="Arial"/>
+        <a:buFont typeface="Arial" panose="020B0604020202020204" pitchFamily="34" charset="0"/>
         <a:buChar char="•"/>
-        <a:defRPr sz="3200" kern="1200">
+        <a:defRPr sz="2100" kern="1200">
           <a:solidFill>
             <a:schemeClr val="tx1"/>
           </a:solidFill>
@@ -2858,13 +2714,16 @@
           <a:cs typeface="+mn-cs"/>
         </a:defRPr>
       </a:lvl1pPr>
-      <a:lvl2pPr marL="742950" indent="-285750" algn="l" defTabSz="457200" rtl="0" eaLnBrk="1" latinLnBrk="0" hangingPunct="1">
+      <a:lvl2pPr marL="514350" indent="-171450" algn="l" defTabSz="685800" rtl="0" eaLnBrk="1" latinLnBrk="0" hangingPunct="1">
+        <a:lnSpc>
+          <a:spcPct val="90000"/>
+        </a:lnSpc>
         <a:spcBef>
-          <a:spcPct val="20000"/>
+          <a:spcPts val="375"/>
         </a:spcBef>
-        <a:buFont typeface="Arial"/>
-        <a:buChar char="–"/>
-        <a:defRPr sz="2800" kern="1200">
+        <a:buFont typeface="Arial" panose="020B0604020202020204" pitchFamily="34" charset="0"/>
+        <a:buChar char="•"/>
+        <a:defRPr sz="1800" kern="1200">
           <a:solidFill>
             <a:schemeClr val="tx1"/>
           </a:solidFill>
@@ -2873,13 +2732,16 @@
           <a:cs typeface="+mn-cs"/>
         </a:defRPr>
       </a:lvl2pPr>
-      <a:lvl3pPr marL="1143000" indent="-228600" algn="l" defTabSz="457200" rtl="0" eaLnBrk="1" latinLnBrk="0" hangingPunct="1">
+      <a:lvl3pPr marL="857250" indent="-171450" algn="l" defTabSz="685800" rtl="0" eaLnBrk="1" latinLnBrk="0" hangingPunct="1">
+        <a:lnSpc>
+          <a:spcPct val="90000"/>
+        </a:lnSpc>
         <a:spcBef>
-          <a:spcPct val="20000"/>
+          <a:spcPts val="375"/>
         </a:spcBef>
-        <a:buFont typeface="Arial"/>
+        <a:buFont typeface="Arial" panose="020B0604020202020204" pitchFamily="34" charset="0"/>
         <a:buChar char="•"/>
-        <a:defRPr sz="2400" kern="1200">
+        <a:defRPr sz="1500" kern="1200">
           <a:solidFill>
             <a:schemeClr val="tx1"/>
           </a:solidFill>
@@ -2888,13 +2750,16 @@
           <a:cs typeface="+mn-cs"/>
         </a:defRPr>
       </a:lvl3pPr>
-      <a:lvl4pPr marL="1600200" indent="-228600" algn="l" defTabSz="457200" rtl="0" eaLnBrk="1" latinLnBrk="0" hangingPunct="1">
+      <a:lvl4pPr marL="1200150" indent="-171450" algn="l" defTabSz="685800" rtl="0" eaLnBrk="1" latinLnBrk="0" hangingPunct="1">
+        <a:lnSpc>
+          <a:spcPct val="90000"/>
+        </a:lnSpc>
         <a:spcBef>
-          <a:spcPct val="20000"/>
+          <a:spcPts val="375"/>
         </a:spcBef>
-        <a:buFont typeface="Arial"/>
-        <a:buChar char="–"/>
-        <a:defRPr sz="2000" kern="1200">
+        <a:buFont typeface="Arial" panose="020B0604020202020204" pitchFamily="34" charset="0"/>
+        <a:buChar char="•"/>
+        <a:defRPr sz="1350" kern="1200">
           <a:solidFill>
             <a:schemeClr val="tx1"/>
           </a:solidFill>
@@ -2903,13 +2768,16 @@
           <a:cs typeface="+mn-cs"/>
         </a:defRPr>
       </a:lvl4pPr>
-      <a:lvl5pPr marL="2057400" indent="-228600" algn="l" defTabSz="457200" rtl="0" eaLnBrk="1" latinLnBrk="0" hangingPunct="1">
+      <a:lvl5pPr marL="1543050" indent="-171450" algn="l" defTabSz="685800" rtl="0" eaLnBrk="1" latinLnBrk="0" hangingPunct="1">
+        <a:lnSpc>
+          <a:spcPct val="90000"/>
+        </a:lnSpc>
         <a:spcBef>
-          <a:spcPct val="20000"/>
+          <a:spcPts val="375"/>
         </a:spcBef>
-        <a:buFont typeface="Arial"/>
-        <a:buChar char="»"/>
-        <a:defRPr sz="2000" kern="1200">
+        <a:buFont typeface="Arial" panose="020B0604020202020204" pitchFamily="34" charset="0"/>
+        <a:buChar char="•"/>
+        <a:defRPr sz="1350" kern="1200">
           <a:solidFill>
             <a:schemeClr val="tx1"/>
           </a:solidFill>
@@ -2918,13 +2786,16 @@
           <a:cs typeface="+mn-cs"/>
         </a:defRPr>
       </a:lvl5pPr>
-      <a:lvl6pPr marL="2514600" indent="-228600" algn="l" defTabSz="457200" rtl="0" eaLnBrk="1" latinLnBrk="0" hangingPunct="1">
+      <a:lvl6pPr marL="1885950" indent="-171450" algn="l" defTabSz="685800" rtl="0" eaLnBrk="1" latinLnBrk="0" hangingPunct="1">
+        <a:lnSpc>
+          <a:spcPct val="90000"/>
+        </a:lnSpc>
         <a:spcBef>
-          <a:spcPct val="20000"/>
+          <a:spcPts val="375"/>
         </a:spcBef>
-        <a:buFont typeface="Arial"/>
+        <a:buFont typeface="Arial" panose="020B0604020202020204" pitchFamily="34" charset="0"/>
         <a:buChar char="•"/>
-        <a:defRPr sz="2000" kern="1200">
+        <a:defRPr sz="1350" kern="1200">
           <a:solidFill>
             <a:schemeClr val="tx1"/>
           </a:solidFill>
@@ -2933,13 +2804,16 @@
           <a:cs typeface="+mn-cs"/>
         </a:defRPr>
       </a:lvl6pPr>
-      <a:lvl7pPr marL="2971800" indent="-228600" algn="l" defTabSz="457200" rtl="0" eaLnBrk="1" latinLnBrk="0" hangingPunct="1">
+      <a:lvl7pPr marL="2228850" indent="-171450" algn="l" defTabSz="685800" rtl="0" eaLnBrk="1" latinLnBrk="0" hangingPunct="1">
+        <a:lnSpc>
+          <a:spcPct val="90000"/>
+        </a:lnSpc>
         <a:spcBef>
-          <a:spcPct val="20000"/>
+          <a:spcPts val="375"/>
         </a:spcBef>
-        <a:buFont typeface="Arial"/>
+        <a:buFont typeface="Arial" panose="020B0604020202020204" pitchFamily="34" charset="0"/>
         <a:buChar char="•"/>
-        <a:defRPr sz="2000" kern="1200">
+        <a:defRPr sz="1350" kern="1200">
           <a:solidFill>
             <a:schemeClr val="tx1"/>
           </a:solidFill>
@@ -2948,13 +2822,16 @@
           <a:cs typeface="+mn-cs"/>
         </a:defRPr>
       </a:lvl7pPr>
-      <a:lvl8pPr marL="3429000" indent="-228600" algn="l" defTabSz="457200" rtl="0" eaLnBrk="1" latinLnBrk="0" hangingPunct="1">
+      <a:lvl8pPr marL="2571750" indent="-171450" algn="l" defTabSz="685800" rtl="0" eaLnBrk="1" latinLnBrk="0" hangingPunct="1">
+        <a:lnSpc>
+          <a:spcPct val="90000"/>
+        </a:lnSpc>
         <a:spcBef>
-          <a:spcPct val="20000"/>
+          <a:spcPts val="375"/>
         </a:spcBef>
-        <a:buFont typeface="Arial"/>
+        <a:buFont typeface="Arial" panose="020B0604020202020204" pitchFamily="34" charset="0"/>
         <a:buChar char="•"/>
-        <a:defRPr sz="2000" kern="1200">
+        <a:defRPr sz="1350" kern="1200">
           <a:solidFill>
             <a:schemeClr val="tx1"/>
           </a:solidFill>
@@ -2963,13 +2840,16 @@
           <a:cs typeface="+mn-cs"/>
         </a:defRPr>
       </a:lvl8pPr>
-      <a:lvl9pPr marL="3886200" indent="-228600" algn="l" defTabSz="457200" rtl="0" eaLnBrk="1" latinLnBrk="0" hangingPunct="1">
+      <a:lvl9pPr marL="2914650" indent="-171450" algn="l" defTabSz="685800" rtl="0" eaLnBrk="1" latinLnBrk="0" hangingPunct="1">
+        <a:lnSpc>
+          <a:spcPct val="90000"/>
+        </a:lnSpc>
         <a:spcBef>
-          <a:spcPct val="20000"/>
+          <a:spcPts val="375"/>
         </a:spcBef>
-        <a:buFont typeface="Arial"/>
+        <a:buFont typeface="Arial" panose="020B0604020202020204" pitchFamily="34" charset="0"/>
         <a:buChar char="•"/>
-        <a:defRPr sz="2000" kern="1200">
+        <a:defRPr sz="1350" kern="1200">
           <a:solidFill>
             <a:schemeClr val="tx1"/>
           </a:solidFill>
@@ -2981,10 +2861,10 @@
     </p:bodyStyle>
     <p:otherStyle>
       <a:defPPr>
-        <a:defRPr lang="fr-FR"/>
+        <a:defRPr lang="en-US"/>
       </a:defPPr>
-      <a:lvl1pPr marL="0" algn="l" defTabSz="457200" rtl="0" eaLnBrk="1" latinLnBrk="0" hangingPunct="1">
-        <a:defRPr sz="1800" kern="1200">
+      <a:lvl1pPr marL="0" algn="l" defTabSz="685800" rtl="0" eaLnBrk="1" latinLnBrk="0" hangingPunct="1">
+        <a:defRPr sz="1350" kern="1200">
           <a:solidFill>
             <a:schemeClr val="tx1"/>
           </a:solidFill>
@@ -2993,8 +2873,8 @@
           <a:cs typeface="+mn-cs"/>
         </a:defRPr>
       </a:lvl1pPr>
-      <a:lvl2pPr marL="457200" algn="l" defTabSz="457200" rtl="0" eaLnBrk="1" latinLnBrk="0" hangingPunct="1">
-        <a:defRPr sz="1800" kern="1200">
+      <a:lvl2pPr marL="342900" algn="l" defTabSz="685800" rtl="0" eaLnBrk="1" latinLnBrk="0" hangingPunct="1">
+        <a:defRPr sz="1350" kern="1200">
           <a:solidFill>
             <a:schemeClr val="tx1"/>
           </a:solidFill>
@@ -3003,8 +2883,8 @@
           <a:cs typeface="+mn-cs"/>
         </a:defRPr>
       </a:lvl2pPr>
-      <a:lvl3pPr marL="914400" algn="l" defTabSz="457200" rtl="0" eaLnBrk="1" latinLnBrk="0" hangingPunct="1">
-        <a:defRPr sz="1800" kern="1200">
+      <a:lvl3pPr marL="685800" algn="l" defTabSz="685800" rtl="0" eaLnBrk="1" latinLnBrk="0" hangingPunct="1">
+        <a:defRPr sz="1350" kern="1200">
           <a:solidFill>
             <a:schemeClr val="tx1"/>
           </a:solidFill>
@@ -3013,8 +2893,8 @@
           <a:cs typeface="+mn-cs"/>
         </a:defRPr>
       </a:lvl3pPr>
-      <a:lvl4pPr marL="1371600" algn="l" defTabSz="457200" rtl="0" eaLnBrk="1" latinLnBrk="0" hangingPunct="1">
-        <a:defRPr sz="1800" kern="1200">
+      <a:lvl4pPr marL="1028700" algn="l" defTabSz="685800" rtl="0" eaLnBrk="1" latinLnBrk="0" hangingPunct="1">
+        <a:defRPr sz="1350" kern="1200">
           <a:solidFill>
             <a:schemeClr val="tx1"/>
           </a:solidFill>
@@ -3023,8 +2903,8 @@
           <a:cs typeface="+mn-cs"/>
         </a:defRPr>
       </a:lvl4pPr>
-      <a:lvl5pPr marL="1828800" algn="l" defTabSz="457200" rtl="0" eaLnBrk="1" latinLnBrk="0" hangingPunct="1">
-        <a:defRPr sz="1800" kern="1200">
+      <a:lvl5pPr marL="1371600" algn="l" defTabSz="685800" rtl="0" eaLnBrk="1" latinLnBrk="0" hangingPunct="1">
+        <a:defRPr sz="1350" kern="1200">
           <a:solidFill>
             <a:schemeClr val="tx1"/>
           </a:solidFill>
@@ -3033,8 +2913,8 @@
           <a:cs typeface="+mn-cs"/>
         </a:defRPr>
       </a:lvl5pPr>
-      <a:lvl6pPr marL="2286000" algn="l" defTabSz="457200" rtl="0" eaLnBrk="1" latinLnBrk="0" hangingPunct="1">
-        <a:defRPr sz="1800" kern="1200">
+      <a:lvl6pPr marL="1714500" algn="l" defTabSz="685800" rtl="0" eaLnBrk="1" latinLnBrk="0" hangingPunct="1">
+        <a:defRPr sz="1350" kern="1200">
           <a:solidFill>
             <a:schemeClr val="tx1"/>
           </a:solidFill>
@@ -3043,8 +2923,8 @@
           <a:cs typeface="+mn-cs"/>
         </a:defRPr>
       </a:lvl6pPr>
-      <a:lvl7pPr marL="2743200" algn="l" defTabSz="457200" rtl="0" eaLnBrk="1" latinLnBrk="0" hangingPunct="1">
-        <a:defRPr sz="1800" kern="1200">
+      <a:lvl7pPr marL="2057400" algn="l" defTabSz="685800" rtl="0" eaLnBrk="1" latinLnBrk="0" hangingPunct="1">
+        <a:defRPr sz="1350" kern="1200">
           <a:solidFill>
             <a:schemeClr val="tx1"/>
           </a:solidFill>
@@ -3053,8 +2933,8 @@
           <a:cs typeface="+mn-cs"/>
         </a:defRPr>
       </a:lvl7pPr>
-      <a:lvl8pPr marL="3200400" algn="l" defTabSz="457200" rtl="0" eaLnBrk="1" latinLnBrk="0" hangingPunct="1">
-        <a:defRPr sz="1800" kern="1200">
+      <a:lvl8pPr marL="2400300" algn="l" defTabSz="685800" rtl="0" eaLnBrk="1" latinLnBrk="0" hangingPunct="1">
+        <a:defRPr sz="1350" kern="1200">
           <a:solidFill>
             <a:schemeClr val="tx1"/>
           </a:solidFill>
@@ -3063,8 +2943,8 @@
           <a:cs typeface="+mn-cs"/>
         </a:defRPr>
       </a:lvl8pPr>
-      <a:lvl9pPr marL="3657600" algn="l" defTabSz="457200" rtl="0" eaLnBrk="1" latinLnBrk="0" hangingPunct="1">
-        <a:defRPr sz="1800" kern="1200">
+      <a:lvl9pPr marL="2743200" algn="l" defTabSz="685800" rtl="0" eaLnBrk="1" latinLnBrk="0" hangingPunct="1">
+        <a:defRPr sz="1350" kern="1200">
           <a:solidFill>
             <a:schemeClr val="tx1"/>
           </a:solidFill>
@@ -3081,6 +2961,20 @@
 <file path=ppt/slides/slide1.xml><?xml version="1.0" encoding="utf-8"?>
 <p:sld xmlns:a="http://schemas.openxmlformats.org/drawingml/2006/main" xmlns:r="http://schemas.openxmlformats.org/officeDocument/2006/relationships" xmlns:p="http://schemas.openxmlformats.org/presentationml/2006/main">
   <p:cSld>
+    <p:bg>
+      <p:bgPr>
+        <a:blipFill dpi="0" rotWithShape="1">
+          <a:blip r:embed="rId2">
+            <a:lum/>
+          </a:blip>
+          <a:srcRect/>
+          <a:stretch>
+            <a:fillRect t="-3000" b="-3000"/>
+          </a:stretch>
+        </a:blipFill>
+        <a:effectLst/>
+      </p:bgPr>
+    </p:bg>
     <p:spTree>
       <p:nvGrpSpPr>
         <p:cNvPr id="1" name=""/>
@@ -3097,81 +2991,14 @@
       </p:grpSpPr>
       <p:sp>
         <p:nvSpPr>
-          <p:cNvPr id="2" name="Titre 1"/>
-          <p:cNvSpPr>
-            <a:spLocks noGrp="1"/>
-          </p:cNvSpPr>
-          <p:nvPr>
-            <p:ph type="ctrTitle"/>
-          </p:nvPr>
-        </p:nvSpPr>
-        <p:spPr/>
-        <p:txBody>
-          <a:bodyPr/>
-          <a:lstStyle/>
-          <a:p>
-            <a:endParaRPr lang="fr-FR"/>
-          </a:p>
-        </p:txBody>
-      </p:sp>
-      <p:sp>
-        <p:nvSpPr>
-          <p:cNvPr id="3" name="Sous-titre 2"/>
-          <p:cNvSpPr>
-            <a:spLocks noGrp="1"/>
-          </p:cNvSpPr>
-          <p:nvPr>
-            <p:ph type="subTitle" idx="1"/>
-          </p:nvPr>
-        </p:nvSpPr>
-        <p:spPr/>
-        <p:txBody>
-          <a:bodyPr/>
-          <a:lstStyle/>
-          <a:p>
-            <a:endParaRPr lang="fr-FR"/>
-          </a:p>
-        </p:txBody>
-      </p:sp>
-      <p:pic>
-        <p:nvPicPr>
-          <p:cNvPr id="5" name="Image 4"/>
-          <p:cNvPicPr>
-            <a:picLocks noChangeAspect="1"/>
-          </p:cNvPicPr>
+          <p:cNvPr id="5" name="ZoneTexte 4"/>
+          <p:cNvSpPr txBox="1"/>
           <p:nvPr/>
-        </p:nvPicPr>
-        <p:blipFill rotWithShape="1">
-          <a:blip r:embed="rId2">
-            <a:extLst>
-              <a:ext uri="{28A0092B-C50C-407E-A947-70E740481C1C}">
-                <a14:useLocalDpi xmlns:a14="http://schemas.microsoft.com/office/drawing/2010/main" val="0"/>
-              </a:ext>
-            </a:extLst>
-          </a:blip>
-          <a:srcRect t="4878"/>
-          <a:stretch/>
-        </p:blipFill>
+        </p:nvSpPr>
         <p:spPr>
           <a:xfrm>
-            <a:off x="222779" y="269412"/>
-            <a:ext cx="6464401" cy="8697961"/>
-          </a:xfrm>
-          <a:prstGeom prst="rect">
-            <a:avLst/>
-          </a:prstGeom>
-        </p:spPr>
-      </p:pic>
-      <p:sp>
-        <p:nvSpPr>
-          <p:cNvPr id="6" name="ZoneTexte 5"/>
-          <p:cNvSpPr txBox="1"/>
-          <p:nvPr/>
-        </p:nvSpPr>
-        <p:spPr>
-          <a:xfrm>
-            <a:off x="417791" y="3609144"/>
-            <a:ext cx="6099712" cy="1077218"/>
+            <a:off x="281354" y="4026877"/>
+            <a:ext cx="6576646" cy="1200329"/>
           </a:xfrm>
           <a:prstGeom prst="rect">
             <a:avLst/>
@@ -3184,87 +3011,51 @@
           </a:bodyPr>
           <a:lstStyle/>
           <a:p>
-            <a:pPr algn="ctr"/>
-            <a:r>
-              <a:rPr lang="fr-FR" sz="1600" dirty="0" smtClean="0">
-                <a:solidFill>
-                  <a:schemeClr val="bg1"/>
-                </a:solidFill>
-                <a:latin typeface="Helvetica"/>
-                <a:cs typeface="Helvetica"/>
+            <a:r>
+              <a:rPr lang="fr-FR" dirty="0">
+                <a:latin typeface="Open Sans" panose="020B0606030504020204" pitchFamily="34" charset="0"/>
+                <a:ea typeface="Open Sans" panose="020B0606030504020204" pitchFamily="34" charset="0"/>
+                <a:cs typeface="Open Sans" panose="020B0606030504020204" pitchFamily="34" charset="0"/>
               </a:rPr>
-              <a:t>A la rentrée, le collège Gustave Courbet lance un service en ligne </a:t>
-            </a:r>
-          </a:p>
-          <a:p>
-            <a:pPr algn="ctr"/>
-            <a:r>
-              <a:rPr lang="fr-FR" sz="1600" dirty="0" smtClean="0">
-                <a:solidFill>
-                  <a:schemeClr val="bg1"/>
-                </a:solidFill>
-                <a:latin typeface="Helvetica"/>
-                <a:cs typeface="Helvetica"/>
+              <a:t>Le collège XX lance un service en ligne pour faciliter votre demande de bourse.</a:t>
+            </a:r>
+          </a:p>
+          <a:p>
+            <a:endParaRPr lang="fr-FR" dirty="0">
+              <a:latin typeface="Open Sans" panose="020B0606030504020204" pitchFamily="34" charset="0"/>
+              <a:ea typeface="Open Sans" panose="020B0606030504020204" pitchFamily="34" charset="0"/>
+              <a:cs typeface="Open Sans" panose="020B0606030504020204" pitchFamily="34" charset="0"/>
+            </a:endParaRPr>
+          </a:p>
+          <a:p>
+            <a:r>
+              <a:rPr lang="fr-FR" dirty="0">
+                <a:latin typeface="Open Sans" panose="020B0606030504020204" pitchFamily="34" charset="0"/>
+                <a:ea typeface="Open Sans" panose="020B0606030504020204" pitchFamily="34" charset="0"/>
+                <a:cs typeface="Open Sans" panose="020B0606030504020204" pitchFamily="34" charset="0"/>
               </a:rPr>
-              <a:t>pour faciliter votre demande de bourse.</a:t>
-            </a:r>
-          </a:p>
-          <a:p>
-            <a:pPr algn="ctr"/>
-            <a:endParaRPr lang="fr-FR" sz="1600" dirty="0" smtClean="0">
-              <a:solidFill>
-                <a:schemeClr val="bg1"/>
-              </a:solidFill>
-              <a:latin typeface="Helvetica"/>
-              <a:cs typeface="Helvetica"/>
-            </a:endParaRPr>
-          </a:p>
-          <a:p>
-            <a:pPr algn="ctr"/>
-            <a:r>
-              <a:rPr lang="fr-FR" sz="1600" dirty="0" smtClean="0">
-                <a:solidFill>
-                  <a:schemeClr val="bg1"/>
-                </a:solidFill>
-                <a:latin typeface="Helvetica"/>
-                <a:cs typeface="Helvetica"/>
-              </a:rPr>
-              <a:t>Plus besoin de photocopies ni de pièces justificatives.</a:t>
-            </a:r>
-            <a:endParaRPr lang="fr-FR" sz="1600" dirty="0">
-              <a:solidFill>
-                <a:schemeClr val="bg1"/>
-              </a:solidFill>
-              <a:latin typeface="Helvetica"/>
-              <a:cs typeface="Helvetica"/>
-            </a:endParaRPr>
+              <a:t>Plus besoin de photocopies ni de pièces justificatives !</a:t>
+            </a:r>
           </a:p>
         </p:txBody>
       </p:sp>
     </p:spTree>
     <p:extLst>
       <p:ext uri="{BB962C8B-B14F-4D97-AF65-F5344CB8AC3E}">
-        <p14:creationId xmlns:p14="http://schemas.microsoft.com/office/powerpoint/2010/main" val="3388523304"/>
+        <p14:creationId xmlns:p14="http://schemas.microsoft.com/office/powerpoint/2010/main" val="1156456796"/>
       </p:ext>
     </p:extLst>
   </p:cSld>
   <p:clrMapOvr>
     <a:masterClrMapping/>
   </p:clrMapOvr>
-  <p:timing>
-    <p:tnLst>
-      <p:par>
-        <p:cTn xmlns:p14="http://schemas.microsoft.com/office/powerpoint/2010/main" id="1" dur="indefinite" restart="never" nodeType="tmRoot"/>
-      </p:par>
-    </p:tnLst>
-  </p:timing>
 </p:sld>
 </file>
 
 <file path=ppt/theme/theme1.xml><?xml version="1.0" encoding="utf-8"?>
 <a:theme xmlns:a="http://schemas.openxmlformats.org/drawingml/2006/main" name="Thème Office">
   <a:themeElements>
-    <a:clrScheme name="Bureau">
+    <a:clrScheme name="Thème Office">
       <a:dk1>
         <a:sysClr val="windowText" lastClr="000000"/>
       </a:dk1>
@@ -3272,44 +3063,44 @@
         <a:sysClr val="window" lastClr="FFFFFF"/>
       </a:lt1>
       <a:dk2>
-        <a:srgbClr val="1F497D"/>
+        <a:srgbClr val="44546A"/>
       </a:dk2>
       <a:lt2>
-        <a:srgbClr val="EEECE1"/>
+        <a:srgbClr val="E7E6E6"/>
       </a:lt2>
       <a:accent1>
-        <a:srgbClr val="4F81BD"/>
+        <a:srgbClr val="4472C4"/>
       </a:accent1>
       <a:accent2>
-        <a:srgbClr val="C0504D"/>
+        <a:srgbClr val="ED7D31"/>
       </a:accent2>
       <a:accent3>
-        <a:srgbClr val="9BBB59"/>
+        <a:srgbClr val="A5A5A5"/>
       </a:accent3>
       <a:accent4>
-        <a:srgbClr val="8064A2"/>
+        <a:srgbClr val="FFC000"/>
       </a:accent4>
       <a:accent5>
-        <a:srgbClr val="4BACC6"/>
+        <a:srgbClr val="5B9BD5"/>
       </a:accent5>
       <a:accent6>
-        <a:srgbClr val="F79646"/>
+        <a:srgbClr val="70AD47"/>
       </a:accent6>
       <a:hlink>
-        <a:srgbClr val="0000FF"/>
+        <a:srgbClr val="0563C1"/>
       </a:hlink>
       <a:folHlink>
-        <a:srgbClr val="800080"/>
+        <a:srgbClr val="954F72"/>
       </a:folHlink>
     </a:clrScheme>
-    <a:fontScheme name="Bureau">
+    <a:fontScheme name="Thème Office">
       <a:majorFont>
-        <a:latin typeface="Calibri"/>
+        <a:latin typeface="Calibri Light" panose="020F0302020204030204"/>
         <a:ea typeface=""/>
         <a:cs typeface=""/>
-        <a:font script="Jpan" typeface="ＭＳ Ｐゴシック"/>
+        <a:font script="Jpan" typeface="游ゴシック Light"/>
         <a:font script="Hang" typeface="맑은 고딕"/>
-        <a:font script="Hans" typeface="宋体"/>
+        <a:font script="Hans" typeface="等线 Light"/>
         <a:font script="Hant" typeface="新細明體"/>
         <a:font script="Arab" typeface="Times New Roman"/>
         <a:font script="Hebr" typeface="Times New Roman"/>
@@ -3339,12 +3130,12 @@
         <a:font script="Geor" typeface="Sylfaen"/>
       </a:majorFont>
       <a:minorFont>
-        <a:latin typeface="Calibri"/>
+        <a:latin typeface="Calibri" panose="020F0502020204030204"/>
         <a:ea typeface=""/>
         <a:cs typeface=""/>
-        <a:font script="Jpan" typeface="ＭＳ Ｐゴシック"/>
+        <a:font script="Jpan" typeface="游ゴシック"/>
         <a:font script="Hang" typeface="맑은 고딕"/>
-        <a:font script="Hans" typeface="宋体"/>
+        <a:font script="Hans" typeface="等线"/>
         <a:font script="Hant" typeface="新細明體"/>
         <a:font script="Arab" typeface="Arial"/>
         <a:font script="Hebr" typeface="Arial"/>
@@ -3374,7 +3165,7 @@
         <a:font script="Geor" typeface="Sylfaen"/>
       </a:minorFont>
     </a:fontScheme>
-    <a:fmtScheme name="Bureau">
+    <a:fmtScheme name="Thème Office">
       <a:fillStyleLst>
         <a:solidFill>
           <a:schemeClr val="phClr"/>
@@ -3383,200 +3174,141 @@
           <a:gsLst>
             <a:gs pos="0">
               <a:schemeClr val="phClr">
-                <a:tint val="50000"/>
-                <a:satMod val="300000"/>
+                <a:lumMod val="110000"/>
+                <a:satMod val="105000"/>
+                <a:tint val="67000"/>
               </a:schemeClr>
             </a:gs>
-            <a:gs pos="35000">
+            <a:gs pos="50000">
               <a:schemeClr val="phClr">
-                <a:tint val="37000"/>
-                <a:satMod val="300000"/>
+                <a:lumMod val="105000"/>
+                <a:satMod val="103000"/>
+                <a:tint val="73000"/>
               </a:schemeClr>
             </a:gs>
             <a:gs pos="100000">
               <a:schemeClr val="phClr">
-                <a:tint val="15000"/>
-                <a:satMod val="350000"/>
+                <a:lumMod val="105000"/>
+                <a:satMod val="109000"/>
+                <a:tint val="81000"/>
               </a:schemeClr>
             </a:gs>
           </a:gsLst>
-          <a:lin ang="16200000" scaled="1"/>
+          <a:lin ang="5400000" scaled="0"/>
         </a:gradFill>
         <a:gradFill rotWithShape="1">
           <a:gsLst>
             <a:gs pos="0">
               <a:schemeClr val="phClr">
-                <a:tint val="100000"/>
+                <a:satMod val="103000"/>
+                <a:lumMod val="102000"/>
+                <a:tint val="94000"/>
+              </a:schemeClr>
+            </a:gs>
+            <a:gs pos="50000">
+              <a:schemeClr val="phClr">
+                <a:satMod val="110000"/>
+                <a:lumMod val="100000"/>
                 <a:shade val="100000"/>
-                <a:satMod val="130000"/>
               </a:schemeClr>
             </a:gs>
             <a:gs pos="100000">
               <a:schemeClr val="phClr">
-                <a:tint val="50000"/>
-                <a:shade val="100000"/>
-                <a:satMod val="350000"/>
+                <a:lumMod val="99000"/>
+                <a:satMod val="120000"/>
+                <a:shade val="78000"/>
               </a:schemeClr>
             </a:gs>
           </a:gsLst>
-          <a:lin ang="16200000" scaled="0"/>
+          <a:lin ang="5400000" scaled="0"/>
         </a:gradFill>
       </a:fillStyleLst>
       <a:lnStyleLst>
-        <a:ln w="9525" cap="flat" cmpd="sng" algn="ctr">
-          <a:solidFill>
-            <a:schemeClr val="phClr">
-              <a:shade val="95000"/>
-              <a:satMod val="105000"/>
-            </a:schemeClr>
-          </a:solidFill>
-          <a:prstDash val="solid"/>
-        </a:ln>
-        <a:ln w="25400" cap="flat" cmpd="sng" algn="ctr">
+        <a:ln w="6350" cap="flat" cmpd="sng" algn="ctr">
           <a:solidFill>
             <a:schemeClr val="phClr"/>
           </a:solidFill>
           <a:prstDash val="solid"/>
+          <a:miter lim="800000"/>
         </a:ln>
-        <a:ln w="38100" cap="flat" cmpd="sng" algn="ctr">
+        <a:ln w="12700" cap="flat" cmpd="sng" algn="ctr">
           <a:solidFill>
             <a:schemeClr val="phClr"/>
           </a:solidFill>
           <a:prstDash val="solid"/>
+          <a:miter lim="800000"/>
+        </a:ln>
+        <a:ln w="19050" cap="flat" cmpd="sng" algn="ctr">
+          <a:solidFill>
+            <a:schemeClr val="phClr"/>
+          </a:solidFill>
+          <a:prstDash val="solid"/>
+          <a:miter lim="800000"/>
         </a:ln>
       </a:lnStyleLst>
       <a:effectStyleLst>
         <a:effectStyle>
+          <a:effectLst/>
+        </a:effectStyle>
+        <a:effectStyle>
+          <a:effectLst/>
+        </a:effectStyle>
+        <a:effectStyle>
           <a:effectLst>
-            <a:outerShdw blurRad="40000" dist="20000" dir="5400000" rotWithShape="0">
+            <a:outerShdw blurRad="57150" dist="19050" dir="5400000" algn="ctr" rotWithShape="0">
               <a:srgbClr val="000000">
-                <a:alpha val="38000"/>
+                <a:alpha val="63000"/>
               </a:srgbClr>
             </a:outerShdw>
           </a:effectLst>
-        </a:effectStyle>
-        <a:effectStyle>
-          <a:effectLst>
-            <a:outerShdw blurRad="40000" dist="23000" dir="5400000" rotWithShape="0">
-              <a:srgbClr val="000000">
-                <a:alpha val="35000"/>
-              </a:srgbClr>
-            </a:outerShdw>
-          </a:effectLst>
-        </a:effectStyle>
-        <a:effectStyle>
-          <a:effectLst>
-            <a:outerShdw blurRad="40000" dist="23000" dir="5400000" rotWithShape="0">
-              <a:srgbClr val="000000">
-                <a:alpha val="35000"/>
-              </a:srgbClr>
-            </a:outerShdw>
-          </a:effectLst>
-          <a:scene3d>
-            <a:camera prst="orthographicFront">
-              <a:rot lat="0" lon="0" rev="0"/>
-            </a:camera>
-            <a:lightRig rig="threePt" dir="t">
-              <a:rot lat="0" lon="0" rev="1200000"/>
-            </a:lightRig>
-          </a:scene3d>
-          <a:sp3d>
-            <a:bevelT w="63500" h="25400"/>
-          </a:sp3d>
         </a:effectStyle>
       </a:effectStyleLst>
       <a:bgFillStyleLst>
         <a:solidFill>
           <a:schemeClr val="phClr"/>
         </a:solidFill>
+        <a:solidFill>
+          <a:schemeClr val="phClr">
+            <a:tint val="95000"/>
+            <a:satMod val="170000"/>
+          </a:schemeClr>
+        </a:solidFill>
         <a:gradFill rotWithShape="1">
           <a:gsLst>
             <a:gs pos="0">
               <a:schemeClr val="phClr">
-                <a:tint val="40000"/>
-                <a:satMod val="350000"/>
+                <a:tint val="93000"/>
+                <a:satMod val="150000"/>
+                <a:shade val="98000"/>
+                <a:lumMod val="102000"/>
               </a:schemeClr>
             </a:gs>
-            <a:gs pos="40000">
+            <a:gs pos="50000">
               <a:schemeClr val="phClr">
-                <a:tint val="45000"/>
-                <a:shade val="99000"/>
-                <a:satMod val="350000"/>
+                <a:tint val="98000"/>
+                <a:satMod val="130000"/>
+                <a:shade val="90000"/>
+                <a:lumMod val="103000"/>
               </a:schemeClr>
             </a:gs>
             <a:gs pos="100000">
               <a:schemeClr val="phClr">
-                <a:shade val="20000"/>
-                <a:satMod val="255000"/>
+                <a:shade val="63000"/>
+                <a:satMod val="120000"/>
               </a:schemeClr>
             </a:gs>
           </a:gsLst>
-          <a:path path="circle">
-            <a:fillToRect l="50000" t="-80000" r="50000" b="180000"/>
-          </a:path>
-        </a:gradFill>
-        <a:gradFill rotWithShape="1">
-          <a:gsLst>
-            <a:gs pos="0">
-              <a:schemeClr val="phClr">
-                <a:tint val="80000"/>
-                <a:satMod val="300000"/>
-              </a:schemeClr>
-            </a:gs>
-            <a:gs pos="100000">
-              <a:schemeClr val="phClr">
-                <a:shade val="30000"/>
-                <a:satMod val="200000"/>
-              </a:schemeClr>
-            </a:gs>
-          </a:gsLst>
-          <a:path path="circle">
-            <a:fillToRect l="50000" t="50000" r="50000" b="50000"/>
-          </a:path>
+          <a:lin ang="5400000" scaled="0"/>
         </a:gradFill>
       </a:bgFillStyleLst>
     </a:fmtScheme>
   </a:themeElements>
-  <a:objectDefaults>
-    <a:spDef>
-      <a:spPr/>
-      <a:bodyPr/>
-      <a:lstStyle/>
-      <a:style>
-        <a:lnRef idx="1">
-          <a:schemeClr val="accent1"/>
-        </a:lnRef>
-        <a:fillRef idx="3">
-          <a:schemeClr val="accent1"/>
-        </a:fillRef>
-        <a:effectRef idx="2">
-          <a:schemeClr val="accent1"/>
-        </a:effectRef>
-        <a:fontRef idx="minor">
-          <a:schemeClr val="lt1"/>
-        </a:fontRef>
-      </a:style>
-    </a:spDef>
-    <a:lnDef>
-      <a:spPr/>
-      <a:bodyPr/>
-      <a:lstStyle/>
-      <a:style>
-        <a:lnRef idx="2">
-          <a:schemeClr val="accent1"/>
-        </a:lnRef>
-        <a:fillRef idx="0">
-          <a:schemeClr val="accent1"/>
-        </a:fillRef>
-        <a:effectRef idx="1">
-          <a:schemeClr val="accent1"/>
-        </a:effectRef>
-        <a:fontRef idx="minor">
-          <a:schemeClr val="tx1"/>
-        </a:fontRef>
-      </a:style>
-    </a:lnDef>
-  </a:objectDefaults>
+  <a:objectDefaults/>
   <a:extraClrSchemeLst/>
+  <a:extLst>
+    <a:ext uri="{05A4C25C-085E-4340-85A3-A5531E510DB2}">
+      <thm15:themeFamily xmlns:thm15="http://schemas.microsoft.com/office/thememl/2012/main" name="Office Theme" id="{62F939B6-93AF-4DB8-9C6B-D6C7DFDC589F}" vid="{4A3C46E8-61CC-4603-A589-7422A47A8E4A}"/>
+    </a:ext>
+  </a:extLst>
 </a:theme>
 </file>